--- a/trunk/modelisator/Gestion de projet/2015_06_30 [Modelisator] Step Finale LP74/2015_07_01  [Modelisator] Presentation_Final.pptx
+++ b/trunk/modelisator/Gestion de projet/2015_06_30 [Modelisator] Step Finale LP74/2015_07_01  [Modelisator] Presentation_Final.pptx
@@ -226,7 +226,7 @@
           <a:p>
             <a:fld id="{8A772D60-DC02-4F56-BAEA-53F50E68636D}" type="datetimeFigureOut">
               <a:rPr lang="fr-FR" smtClean="0"/>
-              <a:t>30/06/2015</a:t>
+              <a:t>01/07/2015</a:t>
             </a:fld>
             <a:endParaRPr lang="fr-FR"/>
           </a:p>
@@ -1162,11 +1162,7 @@
           <a:p>
             <a:r>
               <a:rPr lang="fr-FR" dirty="0" smtClean="0"/>
-              <a:t>C</a:t>
-            </a:r>
-            <a:r>
-              <a:rPr lang="fr-FR" dirty="0" smtClean="0"/>
-              <a:t># (</a:t>
+              <a:t>C# (</a:t>
             </a:r>
             <a:r>
               <a:rPr lang="fr-FR" dirty="0" err="1" smtClean="0"/>
@@ -1278,11 +1274,7 @@
           <a:p>
             <a:r>
               <a:rPr lang="fr-FR" dirty="0" smtClean="0"/>
-              <a:t>Restriction </a:t>
-            </a:r>
-            <a:r>
-              <a:rPr lang="fr-FR" dirty="0" smtClean="0"/>
-              <a:t>OS :</a:t>
+              <a:t>Restriction OS :</a:t>
             </a:r>
             <a:r>
               <a:rPr lang="fr-FR" baseline="0" dirty="0" smtClean="0"/>
@@ -2041,19 +2033,7 @@
                 <a:ea typeface="+mn-ea"/>
                 <a:cs typeface="+mn-cs"/>
               </a:rPr>
-              <a:t> </a:t>
-            </a:r>
-            <a:r>
-              <a:rPr lang="fr-FR" sz="1200" kern="1200" dirty="0" smtClean="0">
-                <a:solidFill>
-                  <a:schemeClr val="tx1"/>
-                </a:solidFill>
-                <a:effectLst/>
-                <a:latin typeface="+mn-lt"/>
-                <a:ea typeface="+mn-ea"/>
-                <a:cs typeface="+mn-cs"/>
-              </a:rPr>
-              <a:t>SVN, logiciel de </a:t>
+              <a:t> SVN, logiciel de </a:t>
             </a:r>
             <a:r>
               <a:rPr lang="fr-FR" sz="1200" kern="1200" dirty="0" err="1" smtClean="0">
@@ -2092,31 +2072,7 @@
                 <a:ea typeface="+mn-ea"/>
                 <a:cs typeface="+mn-cs"/>
               </a:rPr>
-              <a:t>Cadre </a:t>
-            </a:r>
-            <a:r>
-              <a:rPr lang="fr-FR" sz="1200" kern="1200" dirty="0" smtClean="0">
-                <a:solidFill>
-                  <a:schemeClr val="tx1"/>
-                </a:solidFill>
-                <a:effectLst/>
-                <a:latin typeface="+mn-lt"/>
-                <a:ea typeface="+mn-ea"/>
-                <a:cs typeface="+mn-cs"/>
-              </a:rPr>
-              <a:t>de </a:t>
-            </a:r>
-            <a:r>
-              <a:rPr lang="fr-FR" sz="1200" kern="1200" dirty="0" smtClean="0">
-                <a:solidFill>
-                  <a:schemeClr val="tx1"/>
-                </a:solidFill>
-                <a:effectLst/>
-                <a:latin typeface="+mn-lt"/>
-                <a:ea typeface="+mn-ea"/>
-                <a:cs typeface="+mn-cs"/>
-              </a:rPr>
-              <a:t>travail </a:t>
+              <a:t>Cadre de travail </a:t>
             </a:r>
             <a:r>
               <a:rPr lang="fr-FR" sz="1200" kern="1200" dirty="0" smtClean="0">
@@ -2141,8 +2097,14 @@
                 <a:ea typeface="+mn-ea"/>
                 <a:cs typeface="+mn-cs"/>
               </a:rPr>
-              <a:t>salle </a:t>
-            </a:r>
+              <a:t>salle de cours isolée</a:t>
+            </a:r>
+          </a:p>
+          <a:p>
+            <a:pPr marL="171450" lvl="0" indent="-171450">
+              <a:buFontTx/>
+              <a:buChar char="-"/>
+            </a:pPr>
             <a:r>
               <a:rPr lang="fr-FR" sz="1200" kern="1200" dirty="0" smtClean="0">
                 <a:solidFill>
@@ -2153,61 +2115,7 @@
                 <a:ea typeface="+mn-ea"/>
                 <a:cs typeface="+mn-cs"/>
               </a:rPr>
-              <a:t>de cours </a:t>
-            </a:r>
-            <a:r>
-              <a:rPr lang="fr-FR" sz="1200" kern="1200" dirty="0" smtClean="0">
-                <a:solidFill>
-                  <a:schemeClr val="tx1"/>
-                </a:solidFill>
-                <a:effectLst/>
-                <a:latin typeface="+mn-lt"/>
-                <a:ea typeface="+mn-ea"/>
-                <a:cs typeface="+mn-cs"/>
-              </a:rPr>
-              <a:t>isolée</a:t>
-            </a:r>
-          </a:p>
-          <a:p>
-            <a:pPr marL="171450" lvl="0" indent="-171450">
-              <a:buFontTx/>
-              <a:buChar char="-"/>
-            </a:pPr>
-            <a:r>
-              <a:rPr lang="fr-FR" sz="1200" kern="1200" dirty="0" smtClean="0">
-                <a:solidFill>
-                  <a:schemeClr val="tx1"/>
-                </a:solidFill>
-                <a:effectLst/>
-                <a:latin typeface="+mn-lt"/>
-                <a:ea typeface="+mn-ea"/>
-                <a:cs typeface="+mn-cs"/>
-              </a:rPr>
-              <a:t>Cycle </a:t>
-            </a:r>
-            <a:r>
-              <a:rPr lang="fr-FR" sz="1200" kern="1200" dirty="0" smtClean="0">
-                <a:solidFill>
-                  <a:schemeClr val="tx1"/>
-                </a:solidFill>
-                <a:effectLst/>
-                <a:latin typeface="+mn-lt"/>
-                <a:ea typeface="+mn-ea"/>
-                <a:cs typeface="+mn-cs"/>
-              </a:rPr>
-              <a:t>en V. </a:t>
-            </a:r>
-            <a:r>
-              <a:rPr lang="fr-FR" sz="1200" kern="1200" dirty="0" smtClean="0">
-                <a:solidFill>
-                  <a:schemeClr val="tx1"/>
-                </a:solidFill>
-                <a:effectLst/>
-                <a:latin typeface="+mn-lt"/>
-                <a:ea typeface="+mn-ea"/>
-                <a:cs typeface="+mn-cs"/>
-              </a:rPr>
-              <a:t>Avantage </a:t>
+              <a:t>Cycle en V. Avantage </a:t>
             </a:r>
             <a:r>
               <a:rPr lang="fr-FR" sz="1200" kern="1200" dirty="0" smtClean="0">
@@ -2232,31 +2140,7 @@
                 <a:ea typeface="+mn-ea"/>
                 <a:cs typeface="+mn-cs"/>
               </a:rPr>
-              <a:t>différentes </a:t>
-            </a:r>
-            <a:r>
-              <a:rPr lang="fr-FR" sz="1200" kern="1200" dirty="0" smtClean="0">
-                <a:solidFill>
-                  <a:schemeClr val="tx1"/>
-                </a:solidFill>
-                <a:effectLst/>
-                <a:latin typeface="+mn-lt"/>
-                <a:ea typeface="+mn-ea"/>
-                <a:cs typeface="+mn-cs"/>
-              </a:rPr>
-              <a:t>étapes </a:t>
-            </a:r>
-            <a:r>
-              <a:rPr lang="fr-FR" sz="1200" kern="1200" dirty="0" smtClean="0">
-                <a:solidFill>
-                  <a:schemeClr val="tx1"/>
-                </a:solidFill>
-                <a:effectLst/>
-                <a:latin typeface="+mn-lt"/>
-                <a:ea typeface="+mn-ea"/>
-                <a:cs typeface="+mn-cs"/>
-              </a:rPr>
-              <a:t>bien définies et tests engendrés</a:t>
+              <a:t>différentes étapes bien définies et tests engendrés</a:t>
             </a:r>
             <a:r>
               <a:rPr lang="fr-FR" sz="1200" kern="1200" baseline="0" dirty="0" smtClean="0">
@@ -3011,7 +2895,7 @@
           <a:p>
             <a:fld id="{C70393BE-73AE-473E-A102-C17934B0E0F9}" type="datetime1">
               <a:rPr lang="fr-FR" smtClean="0"/>
-              <a:t>30/06/2015</a:t>
+              <a:t>01/07/2015</a:t>
             </a:fld>
             <a:endParaRPr lang="fr-BE"/>
           </a:p>
@@ -3180,7 +3064,7 @@
           <a:p>
             <a:fld id="{BC8B088A-B32C-4DCF-94DA-CC257AEB72E7}" type="datetime1">
               <a:rPr lang="fr-FR" smtClean="0"/>
-              <a:t>30/06/2015</a:t>
+              <a:t>01/07/2015</a:t>
             </a:fld>
             <a:endParaRPr lang="fr-BE"/>
           </a:p>
@@ -3359,7 +3243,7 @@
           <a:p>
             <a:fld id="{4302F8B4-BC2C-40F6-97AF-1FBEE2D51802}" type="datetime1">
               <a:rPr lang="fr-FR" smtClean="0"/>
-              <a:t>30/06/2015</a:t>
+              <a:t>01/07/2015</a:t>
             </a:fld>
             <a:endParaRPr lang="fr-BE"/>
           </a:p>
@@ -3528,7 +3412,7 @@
           <a:p>
             <a:fld id="{6B96E1E1-4559-49B9-BB75-F99EC1FF316E}" type="datetime1">
               <a:rPr lang="fr-FR" smtClean="0"/>
-              <a:t>30/06/2015</a:t>
+              <a:t>01/07/2015</a:t>
             </a:fld>
             <a:endParaRPr lang="fr-BE"/>
           </a:p>
@@ -4085,7 +3969,7 @@
           <a:p>
             <a:fld id="{2EFEB38D-C467-4312-B04F-522CC0E9E94C}" type="datetime1">
               <a:rPr lang="fr-FR" smtClean="0"/>
-              <a:t>30/06/2015</a:t>
+              <a:t>01/07/2015</a:t>
             </a:fld>
             <a:endParaRPr lang="fr-BE"/>
           </a:p>
@@ -4349,7 +4233,7 @@
           <a:p>
             <a:fld id="{569734D5-01A4-4325-8CFB-0125683DB7CD}" type="datetime1">
               <a:rPr lang="fr-FR" smtClean="0"/>
-              <a:t>30/06/2015</a:t>
+              <a:t>01/07/2015</a:t>
             </a:fld>
             <a:endParaRPr lang="fr-BE"/>
           </a:p>
@@ -4841,7 +4725,7 @@
           <a:p>
             <a:fld id="{E2DCA559-A264-4709-9E56-AADA966C1080}" type="datetime1">
               <a:rPr lang="fr-FR" smtClean="0"/>
-              <a:t>30/06/2015</a:t>
+              <a:t>01/07/2015</a:t>
             </a:fld>
             <a:endParaRPr lang="fr-BE"/>
           </a:p>
@@ -4958,7 +4842,7 @@
           <a:p>
             <a:fld id="{C521D032-1FC6-4C3C-9F22-14C1058A3B93}" type="datetime1">
               <a:rPr lang="fr-FR" smtClean="0"/>
-              <a:t>30/06/2015</a:t>
+              <a:t>01/07/2015</a:t>
             </a:fld>
             <a:endParaRPr lang="fr-BE"/>
           </a:p>
@@ -5052,7 +4936,7 @@
           <a:p>
             <a:fld id="{4FDA5938-45F0-402D-B9E0-80536A9F6B2D}" type="datetime1">
               <a:rPr lang="fr-FR" smtClean="0"/>
-              <a:t>30/06/2015</a:t>
+              <a:t>01/07/2015</a:t>
             </a:fld>
             <a:endParaRPr lang="fr-BE"/>
           </a:p>
@@ -5486,7 +5370,7 @@
           <a:p>
             <a:fld id="{7013CF15-07B4-4C89-B982-C6B5FA890ECD}" type="datetime1">
               <a:rPr lang="fr-FR" smtClean="0"/>
-              <a:t>30/06/2015</a:t>
+              <a:t>01/07/2015</a:t>
             </a:fld>
             <a:endParaRPr lang="fr-BE"/>
           </a:p>
@@ -6023,7 +5907,7 @@
           <a:p>
             <a:fld id="{0DA40ACB-4D2A-42E6-B06B-B14010E50CC8}" type="datetime1">
               <a:rPr lang="fr-FR" smtClean="0"/>
-              <a:t>30/06/2015</a:t>
+              <a:t>01/07/2015</a:t>
             </a:fld>
             <a:endParaRPr lang="fr-BE"/>
           </a:p>
@@ -6867,7 +6751,7 @@
           <a:p>
             <a:fld id="{80F0827B-6E0C-4676-9606-0A944DB59C2A}" type="datetime1">
               <a:rPr lang="fr-FR" smtClean="0"/>
-              <a:t>30/06/2015</a:t>
+              <a:t>01/07/2015</a:t>
             </a:fld>
             <a:endParaRPr lang="fr-BE"/>
           </a:p>
@@ -7724,9 +7608,14 @@
   <p:clrMapOvr>
     <a:masterClrMapping/>
   </p:clrMapOvr>
-  <p:transition spd="slow">
-    <p:pull/>
-  </p:transition>
+  <mc:AlternateContent xmlns:mc="http://schemas.openxmlformats.org/markup-compatibility/2006">
+    <mc:Choice xmlns:p14="http://schemas.microsoft.com/office/powerpoint/2010/main" Requires="p14">
+      <p:transition p14:dur="0"/>
+    </mc:Choice>
+    <mc:Fallback>
+      <p:transition/>
+    </mc:Fallback>
+  </mc:AlternateContent>
   <p:timing>
     <p:tnLst>
       <p:par>
@@ -7775,11 +7664,7 @@
             </a:r>
             <a:r>
               <a:rPr lang="fr-FR" dirty="0"/>
-              <a:t>II </a:t>
-            </a:r>
-            <a:r>
-              <a:rPr lang="fr-FR" dirty="0"/>
-              <a:t>– </a:t>
+              <a:t>II – </a:t>
             </a:r>
             <a:r>
               <a:rPr lang="fr-FR" dirty="0" smtClean="0"/>
@@ -7847,7 +7732,7 @@
           <a:p>
             <a:fld id="{DFC38200-D032-43FC-ABCB-7E0B50BA1E3D}" type="datetime1">
               <a:rPr lang="fr-FR" smtClean="0"/>
-              <a:t>30/06/2015</a:t>
+              <a:t>01/07/2015</a:t>
             </a:fld>
             <a:endParaRPr lang="fr-BE"/>
           </a:p>
@@ -7909,9 +7794,14 @@
   <p:clrMapOvr>
     <a:masterClrMapping/>
   </p:clrMapOvr>
-  <p:transition spd="slow">
-    <p:pull/>
-  </p:transition>
+  <mc:AlternateContent xmlns:mc="http://schemas.openxmlformats.org/markup-compatibility/2006">
+    <mc:Choice xmlns:p14="http://schemas.microsoft.com/office/powerpoint/2010/main" Requires="p14">
+      <p:transition p14:dur="0"/>
+    </mc:Choice>
+    <mc:Fallback>
+      <p:transition/>
+    </mc:Fallback>
+  </mc:AlternateContent>
   <p:timing>
     <p:tnLst>
       <p:par>
@@ -7956,11 +7846,7 @@
           <a:p>
             <a:r>
               <a:rPr lang="fr-FR" dirty="0"/>
-              <a:t>III </a:t>
-            </a:r>
-            <a:r>
-              <a:rPr lang="fr-FR" dirty="0"/>
-              <a:t>– </a:t>
+              <a:t>III – </a:t>
             </a:r>
             <a:r>
               <a:rPr lang="fr-FR" dirty="0" smtClean="0"/>
@@ -8028,7 +7914,7 @@
           <a:p>
             <a:fld id="{319B611D-EA70-4CCD-A2E4-F02F9B317CD2}" type="datetime1">
               <a:rPr lang="fr-FR" smtClean="0"/>
-              <a:t>30/06/2015</a:t>
+              <a:t>01/07/2015</a:t>
             </a:fld>
             <a:endParaRPr lang="fr-BE"/>
           </a:p>
@@ -8090,9 +7976,14 @@
   <p:clrMapOvr>
     <a:masterClrMapping/>
   </p:clrMapOvr>
-  <p:transition spd="slow">
-    <p:pull/>
-  </p:transition>
+  <mc:AlternateContent xmlns:mc="http://schemas.openxmlformats.org/markup-compatibility/2006">
+    <mc:Choice xmlns:p14="http://schemas.microsoft.com/office/powerpoint/2010/main" Requires="p14">
+      <p:transition p14:dur="0"/>
+    </mc:Choice>
+    <mc:Fallback>
+      <p:transition/>
+    </mc:Fallback>
+  </mc:AlternateContent>
   <p:timing>
     <p:tnLst>
       <p:par>
@@ -8141,11 +8032,7 @@
             </a:r>
             <a:r>
               <a:rPr lang="fr-FR" dirty="0"/>
-              <a:t>II </a:t>
-            </a:r>
-            <a:r>
-              <a:rPr lang="fr-FR" dirty="0"/>
-              <a:t>– </a:t>
+              <a:t>II – </a:t>
             </a:r>
             <a:r>
               <a:rPr lang="fr-FR" dirty="0" smtClean="0"/>
@@ -8213,7 +8100,7 @@
           <a:p>
             <a:fld id="{0B2D6529-C9CA-4C10-ACE4-52C757051A25}" type="datetime1">
               <a:rPr lang="fr-FR" smtClean="0"/>
-              <a:t>30/06/2015</a:t>
+              <a:t>01/07/2015</a:t>
             </a:fld>
             <a:endParaRPr lang="fr-BE"/>
           </a:p>
@@ -8310,9 +8197,14 @@
   <p:clrMapOvr>
     <a:masterClrMapping/>
   </p:clrMapOvr>
-  <p:transition spd="slow">
-    <p:pull/>
-  </p:transition>
+  <mc:AlternateContent xmlns:mc="http://schemas.openxmlformats.org/markup-compatibility/2006">
+    <mc:Choice xmlns:p14="http://schemas.microsoft.com/office/powerpoint/2010/main" Requires="p14">
+      <p:transition p14:dur="0"/>
+    </mc:Choice>
+    <mc:Fallback>
+      <p:transition/>
+    </mc:Fallback>
+  </mc:AlternateContent>
   <p:timing>
     <p:tnLst>
       <p:par>
@@ -8361,11 +8253,7 @@
             </a:r>
             <a:r>
               <a:rPr lang="fr-FR" dirty="0"/>
-              <a:t>II </a:t>
-            </a:r>
-            <a:r>
-              <a:rPr lang="fr-FR" dirty="0"/>
-              <a:t>– </a:t>
+              <a:t>II – </a:t>
             </a:r>
             <a:r>
               <a:rPr lang="fr-FR" dirty="0" smtClean="0"/>
@@ -8433,7 +8321,7 @@
           <a:p>
             <a:fld id="{359AD28C-93B1-489D-B0EE-E3AB2F443EA0}" type="datetime1">
               <a:rPr lang="fr-FR" smtClean="0"/>
-              <a:t>30/06/2015</a:t>
+              <a:t>01/07/2015</a:t>
             </a:fld>
             <a:endParaRPr lang="fr-BE"/>
           </a:p>
@@ -8521,9 +8409,14 @@
   <p:clrMapOvr>
     <a:masterClrMapping/>
   </p:clrMapOvr>
-  <p:transition spd="slow">
-    <p:pull/>
-  </p:transition>
+  <mc:AlternateContent xmlns:mc="http://schemas.openxmlformats.org/markup-compatibility/2006">
+    <mc:Choice xmlns:p14="http://schemas.microsoft.com/office/powerpoint/2010/main" Requires="p14">
+      <p:transition p14:dur="0"/>
+    </mc:Choice>
+    <mc:Fallback>
+      <p:transition/>
+    </mc:Fallback>
+  </mc:AlternateContent>
   <p:timing>
     <p:tnLst>
       <p:par>
@@ -8572,11 +8465,7 @@
             </a:r>
             <a:r>
               <a:rPr lang="fr-FR" dirty="0"/>
-              <a:t>II </a:t>
-            </a:r>
-            <a:r>
-              <a:rPr lang="fr-FR" dirty="0"/>
-              <a:t>– </a:t>
+              <a:t>II – </a:t>
             </a:r>
             <a:r>
               <a:rPr lang="fr-FR" dirty="0" smtClean="0"/>
@@ -8644,7 +8533,7 @@
           <a:p>
             <a:fld id="{B361AC6F-DC0D-4EAF-A5A5-E4BD59F97038}" type="datetime1">
               <a:rPr lang="fr-FR" smtClean="0"/>
-              <a:t>30/06/2015</a:t>
+              <a:t>01/07/2015</a:t>
             </a:fld>
             <a:endParaRPr lang="fr-BE"/>
           </a:p>
@@ -8741,9 +8630,14 @@
   <p:clrMapOvr>
     <a:masterClrMapping/>
   </p:clrMapOvr>
-  <p:transition spd="slow">
-    <p:pull/>
-  </p:transition>
+  <mc:AlternateContent xmlns:mc="http://schemas.openxmlformats.org/markup-compatibility/2006">
+    <mc:Choice xmlns:p14="http://schemas.microsoft.com/office/powerpoint/2010/main" Requires="p14">
+      <p:transition p14:dur="0"/>
+    </mc:Choice>
+    <mc:Fallback>
+      <p:transition/>
+    </mc:Fallback>
+  </mc:AlternateContent>
   <p:timing>
     <p:tnLst>
       <p:par>
@@ -8792,11 +8686,7 @@
             </a:r>
             <a:r>
               <a:rPr lang="fr-FR" dirty="0"/>
-              <a:t>II </a:t>
-            </a:r>
-            <a:r>
-              <a:rPr lang="fr-FR" dirty="0"/>
-              <a:t>– </a:t>
+              <a:t>II – </a:t>
             </a:r>
             <a:r>
               <a:rPr lang="fr-FR" dirty="0" smtClean="0"/>
@@ -8829,7 +8719,7 @@
         </p:blipFill>
         <p:spPr bwMode="auto">
           <a:xfrm>
-            <a:off x="113363" y="859206"/>
+            <a:off x="27598" y="887435"/>
             <a:ext cx="9038287" cy="5661246"/>
           </a:xfrm>
           <a:prstGeom prst="rect">
@@ -8864,7 +8754,7 @@
           <a:p>
             <a:fld id="{5F1695CC-9368-4EE9-BABC-D5C081954F17}" type="datetime1">
               <a:rPr lang="fr-FR" smtClean="0"/>
-              <a:t>30/06/2015</a:t>
+              <a:t>01/07/2015</a:t>
             </a:fld>
             <a:endParaRPr lang="fr-BE"/>
           </a:p>
@@ -8961,9 +8851,14 @@
   <p:clrMapOvr>
     <a:masterClrMapping/>
   </p:clrMapOvr>
-  <p:transition spd="slow">
-    <p:pull/>
-  </p:transition>
+  <mc:AlternateContent xmlns:mc="http://schemas.openxmlformats.org/markup-compatibility/2006">
+    <mc:Choice xmlns:p14="http://schemas.microsoft.com/office/powerpoint/2010/main" Requires="p14">
+      <p:transition p14:dur="0"/>
+    </mc:Choice>
+    <mc:Fallback>
+      <p:transition/>
+    </mc:Fallback>
+  </mc:AlternateContent>
   <p:timing>
     <p:tnLst>
       <p:par>
@@ -9008,11 +8903,7 @@
           <a:p>
             <a:r>
               <a:rPr lang="fr-FR" dirty="0" smtClean="0"/>
-              <a:t>iv. </a:t>
-            </a:r>
-            <a:r>
-              <a:rPr lang="fr-FR" dirty="0" smtClean="0"/>
-              <a:t>DEVELOPPEMENT</a:t>
+              <a:t>iv. DEVELOPPEMENT</a:t>
             </a:r>
             <a:endParaRPr lang="fr-FR" dirty="0"/>
           </a:p>
@@ -9158,7 +9049,7 @@
           <a:p>
             <a:fld id="{0F2E9779-73EC-4051-9B7B-2218C4071A8A}" type="datetime1">
               <a:rPr lang="fr-FR" smtClean="0"/>
-              <a:t>30/06/2015</a:t>
+              <a:t>01/07/2015</a:t>
             </a:fld>
             <a:endParaRPr lang="fr-BE"/>
           </a:p>
@@ -9220,9 +9111,14 @@
   <p:clrMapOvr>
     <a:masterClrMapping/>
   </p:clrMapOvr>
-  <p:transition spd="slow">
-    <p:pull/>
-  </p:transition>
+  <mc:AlternateContent xmlns:mc="http://schemas.openxmlformats.org/markup-compatibility/2006">
+    <mc:Choice xmlns:p14="http://schemas.microsoft.com/office/powerpoint/2010/main" Requires="p14">
+      <p:transition p14:dur="0"/>
+    </mc:Choice>
+    <mc:Fallback>
+      <p:transition/>
+    </mc:Fallback>
+  </mc:AlternateContent>
   <p:timing>
     <p:tnLst>
       <p:par>
@@ -9592,15 +9488,7 @@
           <a:p>
             <a:r>
               <a:rPr lang="fr-FR" dirty="0" smtClean="0"/>
-              <a:t>iv</a:t>
-            </a:r>
-            <a:r>
-              <a:rPr lang="fr-FR" dirty="0" smtClean="0"/>
-              <a:t>. </a:t>
-            </a:r>
-            <a:r>
-              <a:rPr lang="fr-FR" dirty="0" smtClean="0"/>
-              <a:t>DEVELOPPEMENT</a:t>
+              <a:t>iv. DEVELOPPEMENT</a:t>
             </a:r>
             <a:endParaRPr lang="fr-FR" dirty="0"/>
           </a:p>
@@ -9623,7 +9511,7 @@
           <a:p>
             <a:fld id="{D7AB67E3-87C9-4BDA-A8F8-641743AD6CDF}" type="datetime1">
               <a:rPr lang="fr-FR" smtClean="0"/>
-              <a:t>30/06/2015</a:t>
+              <a:t>01/07/2015</a:t>
             </a:fld>
             <a:endParaRPr lang="fr-BE"/>
           </a:p>
@@ -9685,9 +9573,14 @@
   <p:clrMapOvr>
     <a:masterClrMapping/>
   </p:clrMapOvr>
-  <p:transition spd="slow">
-    <p:pull/>
-  </p:transition>
+  <mc:AlternateContent xmlns:mc="http://schemas.openxmlformats.org/markup-compatibility/2006">
+    <mc:Choice xmlns:p14="http://schemas.microsoft.com/office/powerpoint/2010/main" Requires="p14">
+      <p:transition p14:dur="0"/>
+    </mc:Choice>
+    <mc:Fallback>
+      <p:transition/>
+    </mc:Fallback>
+  </mc:AlternateContent>
   <p:timing>
     <p:tnLst>
       <p:par>
@@ -9732,11 +9625,7 @@
           <a:p>
             <a:r>
               <a:rPr lang="fr-FR" dirty="0" smtClean="0"/>
-              <a:t>V </a:t>
-            </a:r>
-            <a:r>
-              <a:rPr lang="fr-FR" dirty="0" smtClean="0"/>
-              <a:t>– Tests</a:t>
+              <a:t>V – Tests</a:t>
             </a:r>
             <a:endParaRPr lang="fr-FR" dirty="0"/>
           </a:p>
@@ -9901,7 +9790,7 @@
           <a:p>
             <a:fld id="{B7DF33DE-7512-4558-B8E6-59E44EA24C44}" type="datetime1">
               <a:rPr lang="fr-FR" smtClean="0"/>
-              <a:t>30/06/2015</a:t>
+              <a:t>01/07/2015</a:t>
             </a:fld>
             <a:endParaRPr lang="fr-BE"/>
           </a:p>
@@ -9963,9 +9852,14 @@
   <p:clrMapOvr>
     <a:masterClrMapping/>
   </p:clrMapOvr>
-  <p:transition spd="slow">
-    <p:pull/>
-  </p:transition>
+  <mc:AlternateContent xmlns:mc="http://schemas.openxmlformats.org/markup-compatibility/2006">
+    <mc:Choice xmlns:p14="http://schemas.microsoft.com/office/powerpoint/2010/main" Requires="p14">
+      <p:transition p14:dur="0"/>
+    </mc:Choice>
+    <mc:Fallback>
+      <p:transition/>
+    </mc:Fallback>
+  </mc:AlternateContent>
   <p:timing>
     <p:tnLst>
       <p:par>
@@ -10010,15 +9904,7 @@
           <a:p>
             <a:r>
               <a:rPr lang="fr-FR" dirty="0" smtClean="0"/>
-              <a:t>VI</a:t>
-            </a:r>
-            <a:r>
-              <a:rPr lang="fr-FR" dirty="0" smtClean="0"/>
-              <a:t>. </a:t>
-            </a:r>
-            <a:r>
-              <a:rPr lang="fr-FR" dirty="0" smtClean="0"/>
-              <a:t>Démonstration</a:t>
+              <a:t>VI. Démonstration</a:t>
             </a:r>
             <a:endParaRPr lang="fr-FR" dirty="0"/>
           </a:p>
@@ -10062,7 +9948,7 @@
           <a:p>
             <a:fld id="{C2C984D5-3D71-4534-A114-ADB3998B7D9C}" type="datetime1">
               <a:rPr lang="fr-FR" smtClean="0"/>
-              <a:t>30/06/2015</a:t>
+              <a:t>01/07/2015</a:t>
             </a:fld>
             <a:endParaRPr lang="fr-BE"/>
           </a:p>
@@ -10124,9 +10010,14 @@
   <p:clrMapOvr>
     <a:masterClrMapping/>
   </p:clrMapOvr>
-  <p:transition spd="slow">
-    <p:pull/>
-  </p:transition>
+  <mc:AlternateContent xmlns:mc="http://schemas.openxmlformats.org/markup-compatibility/2006">
+    <mc:Choice xmlns:p14="http://schemas.microsoft.com/office/powerpoint/2010/main" Requires="p14">
+      <p:transition p14:dur="0"/>
+    </mc:Choice>
+    <mc:Fallback>
+      <p:transition/>
+    </mc:Fallback>
+  </mc:AlternateContent>
   <p:timing>
     <p:tnLst>
       <p:par>
@@ -10322,7 +10213,7 @@
           <a:p>
             <a:fld id="{0698F06C-FD65-4031-B30D-B26F029F25F7}" type="datetime1">
               <a:rPr lang="fr-FR" smtClean="0"/>
-              <a:t>30/06/2015</a:t>
+              <a:t>01/07/2015</a:t>
             </a:fld>
             <a:endParaRPr lang="fr-BE"/>
           </a:p>
@@ -10384,9 +10275,14 @@
   <p:clrMapOvr>
     <a:masterClrMapping/>
   </p:clrMapOvr>
-  <p:transition spd="slow">
-    <p:pull/>
-  </p:transition>
+  <mc:AlternateContent xmlns:mc="http://schemas.openxmlformats.org/markup-compatibility/2006">
+    <mc:Choice xmlns:p14="http://schemas.microsoft.com/office/powerpoint/2010/main" Requires="p14">
+      <p:transition p14:dur="0"/>
+    </mc:Choice>
+    <mc:Fallback>
+      <p:transition/>
+    </mc:Fallback>
+  </mc:AlternateContent>
   <p:timing>
     <p:tnLst>
       <p:par>
@@ -10644,7 +10540,7 @@
           <a:p>
             <a:fld id="{1787648F-2159-48E1-8A6A-CBAA03739C0F}" type="datetime1">
               <a:rPr lang="fr-FR" smtClean="0"/>
-              <a:t>30/06/2015</a:t>
+              <a:t>01/07/2015</a:t>
             </a:fld>
             <a:endParaRPr lang="fr-BE"/>
           </a:p>
@@ -10706,9 +10602,14 @@
   <p:clrMapOvr>
     <a:masterClrMapping/>
   </p:clrMapOvr>
-  <p:transition spd="slow">
-    <p:pull/>
-  </p:transition>
+  <mc:AlternateContent xmlns:mc="http://schemas.openxmlformats.org/markup-compatibility/2006">
+    <mc:Choice xmlns:p14="http://schemas.microsoft.com/office/powerpoint/2010/main" Requires="p14">
+      <p:transition p14:dur="0"/>
+    </mc:Choice>
+    <mc:Fallback>
+      <p:transition/>
+    </mc:Fallback>
+  </mc:AlternateContent>
   <p:timing>
     <p:tnLst>
       <p:par>
@@ -11075,7 +10976,7 @@
           <a:p>
             <a:fld id="{B34C6110-81AD-46E5-A5C4-699BCDBF9CDF}" type="datetime1">
               <a:rPr lang="fr-FR" smtClean="0"/>
-              <a:t>30/06/2015</a:t>
+              <a:t>01/07/2015</a:t>
             </a:fld>
             <a:endParaRPr lang="fr-BE"/>
           </a:p>
@@ -11137,9 +11038,14 @@
   <p:clrMapOvr>
     <a:masterClrMapping/>
   </p:clrMapOvr>
-  <p:transition spd="slow">
-    <p:pull/>
-  </p:transition>
+  <mc:AlternateContent xmlns:mc="http://schemas.openxmlformats.org/markup-compatibility/2006">
+    <mc:Choice xmlns:p14="http://schemas.microsoft.com/office/powerpoint/2010/main" Requires="p14">
+      <p:transition p14:dur="0"/>
+    </mc:Choice>
+    <mc:Fallback>
+      <p:transition/>
+    </mc:Fallback>
+  </mc:AlternateContent>
   <p:timing>
     <p:tnLst>
       <p:par>
@@ -11606,7 +11512,7 @@
           <a:p>
             <a:fld id="{6B96E1E1-4559-49B9-BB75-F99EC1FF316E}" type="datetime1">
               <a:rPr lang="fr-FR" smtClean="0"/>
-              <a:t>30/06/2015</a:t>
+              <a:t>01/07/2015</a:t>
             </a:fld>
             <a:endParaRPr lang="fr-BE"/>
           </a:p>
@@ -11668,9 +11574,14 @@
   <p:clrMapOvr>
     <a:masterClrMapping/>
   </p:clrMapOvr>
-  <p:transition spd="slow">
-    <p:pull/>
-  </p:transition>
+  <mc:AlternateContent xmlns:mc="http://schemas.openxmlformats.org/markup-compatibility/2006">
+    <mc:Choice xmlns:p14="http://schemas.microsoft.com/office/powerpoint/2010/main" Requires="p14">
+      <p:transition p14:dur="0"/>
+    </mc:Choice>
+    <mc:Fallback>
+      <p:transition/>
+    </mc:Fallback>
+  </mc:AlternateContent>
   <p:timing>
     <p:tnLst>
       <p:par>
@@ -11741,7 +11652,7 @@
           <a:p>
             <a:fld id="{6B96E1E1-4559-49B9-BB75-F99EC1FF316E}" type="datetime1">
               <a:rPr lang="fr-FR" smtClean="0"/>
-              <a:t>30/06/2015</a:t>
+              <a:t>01/07/2015</a:t>
             </a:fld>
             <a:endParaRPr lang="fr-BE"/>
           </a:p>
@@ -12657,9 +12568,14 @@
   <p:clrMapOvr>
     <a:masterClrMapping/>
   </p:clrMapOvr>
-  <p:transition spd="slow">
-    <p:pull/>
-  </p:transition>
+  <mc:AlternateContent xmlns:mc="http://schemas.openxmlformats.org/markup-compatibility/2006">
+    <mc:Choice xmlns:p14="http://schemas.microsoft.com/office/powerpoint/2010/main" Requires="p14">
+      <p:transition p14:dur="0"/>
+    </mc:Choice>
+    <mc:Fallback>
+      <p:transition/>
+    </mc:Fallback>
+  </mc:AlternateContent>
   <p:timing>
     <p:tnLst>
       <p:par>
@@ -12782,7 +12698,7 @@
         </p:blipFill>
         <p:spPr bwMode="auto">
           <a:xfrm>
-            <a:off x="1833790" y="2119189"/>
+            <a:off x="1832303" y="2096852"/>
             <a:ext cx="5139536" cy="2808312"/>
           </a:xfrm>
           <a:prstGeom prst="rect">
@@ -12823,7 +12739,7 @@
         </p:blipFill>
         <p:spPr bwMode="auto">
           <a:xfrm>
-            <a:off x="1654723" y="1124744"/>
+            <a:off x="1484406" y="1190474"/>
             <a:ext cx="5497670" cy="3802757"/>
           </a:xfrm>
           <a:prstGeom prst="rect">
@@ -12858,7 +12774,7 @@
           <a:p>
             <a:fld id="{08FA9FDF-6180-4E0E-B112-41FF618A29A5}" type="datetime1">
               <a:rPr lang="fr-FR" smtClean="0"/>
-              <a:t>30/06/2015</a:t>
+              <a:t>01/07/2015</a:t>
             </a:fld>
             <a:endParaRPr lang="fr-BE"/>
           </a:p>
@@ -12920,9 +12836,14 @@
   <p:clrMapOvr>
     <a:masterClrMapping/>
   </p:clrMapOvr>
-  <p:transition spd="slow">
-    <p:pull/>
-  </p:transition>
+  <mc:AlternateContent xmlns:mc="http://schemas.openxmlformats.org/markup-compatibility/2006">
+    <mc:Choice xmlns:p14="http://schemas.microsoft.com/office/powerpoint/2010/main" Requires="p14">
+      <p:transition p14:dur="0"/>
+    </mc:Choice>
+    <mc:Fallback>
+      <p:transition/>
+    </mc:Fallback>
+  </mc:AlternateContent>
   <p:timing>
     <p:tnLst>
       <p:par>
@@ -12944,7 +12865,7 @@
                             </p:stCondLst>
                             <p:childTnLst>
                               <p:par>
-                                <p:cTn id="5" presetID="53" presetClass="entr" presetSubtype="16" fill="hold" nodeType="clickEffect">
+                                <p:cTn id="5" presetID="10" presetClass="entr" presetSubtype="0" fill="hold" nodeType="clickEffect">
                                   <p:stCondLst>
                                     <p:cond delay="0"/>
                                   </p:stCondLst>
@@ -12967,55 +12888,9 @@
                                         <p:strVal val="visible"/>
                                       </p:to>
                                     </p:set>
-                                    <p:anim calcmode="lin" valueType="num">
-                                      <p:cBhvr>
-                                        <p:cTn id="7" dur="500" fill="hold"/>
-                                        <p:tgtEl>
-                                          <p:spTgt spid="4102"/>
-                                        </p:tgtEl>
-                                        <p:attrNameLst>
-                                          <p:attrName>ppt_w</p:attrName>
-                                        </p:attrNameLst>
-                                      </p:cBhvr>
-                                      <p:tavLst>
-                                        <p:tav tm="0">
-                                          <p:val>
-                                            <p:fltVal val="0"/>
-                                          </p:val>
-                                        </p:tav>
-                                        <p:tav tm="100000">
-                                          <p:val>
-                                            <p:strVal val="#ppt_w"/>
-                                          </p:val>
-                                        </p:tav>
-                                      </p:tavLst>
-                                    </p:anim>
-                                    <p:anim calcmode="lin" valueType="num">
-                                      <p:cBhvr>
-                                        <p:cTn id="8" dur="500" fill="hold"/>
-                                        <p:tgtEl>
-                                          <p:spTgt spid="4102"/>
-                                        </p:tgtEl>
-                                        <p:attrNameLst>
-                                          <p:attrName>ppt_h</p:attrName>
-                                        </p:attrNameLst>
-                                      </p:cBhvr>
-                                      <p:tavLst>
-                                        <p:tav tm="0">
-                                          <p:val>
-                                            <p:fltVal val="0"/>
-                                          </p:val>
-                                        </p:tav>
-                                        <p:tav tm="100000">
-                                          <p:val>
-                                            <p:strVal val="#ppt_h"/>
-                                          </p:val>
-                                        </p:tav>
-                                      </p:tavLst>
-                                    </p:anim>
                                     <p:animEffect transition="in" filter="fade">
                                       <p:cBhvr>
-                                        <p:cTn id="9" dur="500"/>
+                                        <p:cTn id="7" dur="500"/>
                                         <p:tgtEl>
                                           <p:spTgt spid="4102"/>
                                         </p:tgtEl>
@@ -13031,26 +12906,26 @@
                     </p:cTn>
                   </p:par>
                   <p:par>
-                    <p:cTn id="10" fill="hold">
+                    <p:cTn id="8" fill="hold">
                       <p:stCondLst>
                         <p:cond delay="indefinite"/>
                       </p:stCondLst>
                       <p:childTnLst>
                         <p:par>
-                          <p:cTn id="11" fill="hold">
+                          <p:cTn id="9" fill="hold">
                             <p:stCondLst>
                               <p:cond delay="0"/>
                             </p:stCondLst>
                             <p:childTnLst>
                               <p:par>
-                                <p:cTn id="12" presetID="16" presetClass="entr" presetSubtype="21" fill="hold" nodeType="clickEffect">
+                                <p:cTn id="10" presetID="10" presetClass="entr" presetSubtype="0" fill="hold" nodeType="clickEffect">
                                   <p:stCondLst>
                                     <p:cond delay="0"/>
                                   </p:stCondLst>
                                   <p:childTnLst>
                                     <p:set>
                                       <p:cBhvr>
-                                        <p:cTn id="13" dur="1" fill="hold">
+                                        <p:cTn id="11" dur="1" fill="hold">
                                           <p:stCondLst>
                                             <p:cond delay="0"/>
                                           </p:stCondLst>
@@ -13066,9 +12941,9 @@
                                         <p:strVal val="visible"/>
                                       </p:to>
                                     </p:set>
-                                    <p:animEffect transition="in" filter="barn(inVertical)">
+                                    <p:animEffect transition="in" filter="fade">
                                       <p:cBhvr>
-                                        <p:cTn id="14" dur="500"/>
+                                        <p:cTn id="12" dur="500"/>
                                         <p:tgtEl>
                                           <p:spTgt spid="4100"/>
                                         </p:tgtEl>
@@ -13084,26 +12959,26 @@
                     </p:cTn>
                   </p:par>
                   <p:par>
-                    <p:cTn id="15" fill="hold">
+                    <p:cTn id="13" fill="hold">
                       <p:stCondLst>
                         <p:cond delay="indefinite"/>
                       </p:stCondLst>
                       <p:childTnLst>
                         <p:par>
-                          <p:cTn id="16" fill="hold">
+                          <p:cTn id="14" fill="hold">
                             <p:stCondLst>
                               <p:cond delay="0"/>
                             </p:stCondLst>
                             <p:childTnLst>
                               <p:par>
-                                <p:cTn id="17" presetID="10" presetClass="entr" presetSubtype="0" fill="hold" nodeType="clickEffect">
+                                <p:cTn id="15" presetID="10" presetClass="entr" presetSubtype="0" fill="hold" nodeType="clickEffect">
                                   <p:stCondLst>
                                     <p:cond delay="0"/>
                                   </p:stCondLst>
                                   <p:childTnLst>
                                     <p:set>
                                       <p:cBhvr>
-                                        <p:cTn id="18" dur="1" fill="hold">
+                                        <p:cTn id="16" dur="1" fill="hold">
                                           <p:stCondLst>
                                             <p:cond delay="0"/>
                                           </p:stCondLst>
@@ -13121,7 +12996,7 @@
                                     </p:set>
                                     <p:animEffect transition="in" filter="fade">
                                       <p:cBhvr>
-                                        <p:cTn id="19" dur="500"/>
+                                        <p:cTn id="17" dur="500"/>
                                         <p:tgtEl>
                                           <p:spTgt spid="4098"/>
                                         </p:tgtEl>
@@ -13218,7 +13093,7 @@
           <a:p>
             <a:fld id="{C283E36A-361D-483A-ACD3-BA431A5D0BD2}" type="datetime1">
               <a:rPr lang="fr-FR" smtClean="0"/>
-              <a:t>30/06/2015</a:t>
+              <a:t>01/07/2015</a:t>
             </a:fld>
             <a:endParaRPr lang="fr-BE"/>
           </a:p>
@@ -13332,7 +13207,7 @@
         </p:blipFill>
         <p:spPr bwMode="auto">
           <a:xfrm>
-            <a:off x="-18720" y="448367"/>
+            <a:off x="-18720" y="378887"/>
             <a:ext cx="9204299" cy="5156423"/>
           </a:xfrm>
           <a:prstGeom prst="rect">
@@ -13396,7 +13271,7 @@
         </p:blipFill>
         <p:spPr bwMode="auto">
           <a:xfrm>
-            <a:off x="0" y="640080"/>
+            <a:off x="8428" y="640080"/>
             <a:ext cx="9120588" cy="4752373"/>
           </a:xfrm>
           <a:prstGeom prst="rect">
@@ -13447,9 +13322,14 @@
   <p:clrMapOvr>
     <a:masterClrMapping/>
   </p:clrMapOvr>
-  <p:transition spd="slow">
-    <p:pull/>
-  </p:transition>
+  <mc:AlternateContent xmlns:mc="http://schemas.openxmlformats.org/markup-compatibility/2006">
+    <mc:Choice xmlns:p14="http://schemas.microsoft.com/office/powerpoint/2010/main" Requires="p14">
+      <p:transition p14:dur="0"/>
+    </mc:Choice>
+    <mc:Fallback>
+      <p:transition/>
+    </mc:Fallback>
+  </mc:AlternateContent>
   <p:timing>
     <p:tnLst>
       <p:par>
@@ -13524,37 +13404,37 @@
                             </p:stCondLst>
                             <p:childTnLst>
                               <p:par>
-                                <p:cTn id="10" presetID="10" presetClass="exit" presetSubtype="0" fill="hold" nodeType="clickEffect">
+                                <p:cTn id="10" presetID="10" presetClass="entr" presetSubtype="0" fill="hold" nodeType="clickEffect">
                                   <p:stCondLst>
                                     <p:cond delay="0"/>
                                   </p:stCondLst>
                                   <p:childTnLst>
-                                    <p:animEffect transition="out" filter="fade">
-                                      <p:cBhvr>
-                                        <p:cTn id="11" dur="500"/>
-                                        <p:tgtEl>
-                                          <p:spTgt spid="1026"/>
-                                        </p:tgtEl>
-                                      </p:cBhvr>
-                                    </p:animEffect>
                                     <p:set>
                                       <p:cBhvr>
-                                        <p:cTn id="12" dur="1" fill="hold">
+                                        <p:cTn id="11" dur="1" fill="hold">
                                           <p:stCondLst>
-                                            <p:cond delay="499"/>
+                                            <p:cond delay="0"/>
                                           </p:stCondLst>
                                         </p:cTn>
                                         <p:tgtEl>
-                                          <p:spTgt spid="1026"/>
+                                          <p:spTgt spid="1027"/>
                                         </p:tgtEl>
                                         <p:attrNameLst>
                                           <p:attrName>style.visibility</p:attrName>
                                         </p:attrNameLst>
                                       </p:cBhvr>
                                       <p:to>
-                                        <p:strVal val="hidden"/>
+                                        <p:strVal val="visible"/>
                                       </p:to>
                                     </p:set>
+                                    <p:animEffect transition="in" filter="fade">
+                                      <p:cBhvr>
+                                        <p:cTn id="12" dur="500"/>
+                                        <p:tgtEl>
+                                          <p:spTgt spid="1027"/>
+                                        </p:tgtEl>
+                                      </p:cBhvr>
+                                    </p:animEffect>
                                   </p:childTnLst>
                                 </p:cTn>
                               </p:par>
@@ -13577,7 +13457,7 @@
                             </p:stCondLst>
                             <p:childTnLst>
                               <p:par>
-                                <p:cTn id="15" presetID="1" presetClass="entr" presetSubtype="0" fill="hold" nodeType="clickEffect">
+                                <p:cTn id="15" presetID="10" presetClass="entr" presetSubtype="0" fill="hold" nodeType="clickEffect">
                                   <p:stCondLst>
                                     <p:cond delay="0"/>
                                   </p:stCondLst>
@@ -13585,150 +13465,6 @@
                                     <p:set>
                                       <p:cBhvr>
                                         <p:cTn id="16" dur="1" fill="hold">
-                                          <p:stCondLst>
-                                            <p:cond delay="0"/>
-                                          </p:stCondLst>
-                                        </p:cTn>
-                                        <p:tgtEl>
-                                          <p:spTgt spid="1027"/>
-                                        </p:tgtEl>
-                                        <p:attrNameLst>
-                                          <p:attrName>style.visibility</p:attrName>
-                                        </p:attrNameLst>
-                                      </p:cBhvr>
-                                      <p:to>
-                                        <p:strVal val="visible"/>
-                                      </p:to>
-                                    </p:set>
-                                  </p:childTnLst>
-                                </p:cTn>
-                              </p:par>
-                            </p:childTnLst>
-                          </p:cTn>
-                        </p:par>
-                      </p:childTnLst>
-                    </p:cTn>
-                  </p:par>
-                  <p:par>
-                    <p:cTn id="17" fill="hold">
-                      <p:stCondLst>
-                        <p:cond delay="indefinite"/>
-                      </p:stCondLst>
-                      <p:childTnLst>
-                        <p:par>
-                          <p:cTn id="18" fill="hold">
-                            <p:stCondLst>
-                              <p:cond delay="0"/>
-                            </p:stCondLst>
-                            <p:childTnLst>
-                              <p:par>
-                                <p:cTn id="19" presetID="42" presetClass="exit" presetSubtype="0" fill="hold" nodeType="clickEffect">
-                                  <p:stCondLst>
-                                    <p:cond delay="0"/>
-                                  </p:stCondLst>
-                                  <p:childTnLst>
-                                    <p:animEffect transition="out" filter="fade">
-                                      <p:cBhvr>
-                                        <p:cTn id="20" dur="1000"/>
-                                        <p:tgtEl>
-                                          <p:spTgt spid="1027"/>
-                                        </p:tgtEl>
-                                      </p:cBhvr>
-                                    </p:animEffect>
-                                    <p:anim calcmode="lin" valueType="num">
-                                      <p:cBhvr>
-                                        <p:cTn id="21" dur="1000"/>
-                                        <p:tgtEl>
-                                          <p:spTgt spid="1027"/>
-                                        </p:tgtEl>
-                                        <p:attrNameLst>
-                                          <p:attrName>ppt_x</p:attrName>
-                                        </p:attrNameLst>
-                                      </p:cBhvr>
-                                      <p:tavLst>
-                                        <p:tav tm="0">
-                                          <p:val>
-                                            <p:strVal val="ppt_x"/>
-                                          </p:val>
-                                        </p:tav>
-                                        <p:tav tm="100000">
-                                          <p:val>
-                                            <p:strVal val="ppt_x"/>
-                                          </p:val>
-                                        </p:tav>
-                                      </p:tavLst>
-                                    </p:anim>
-                                    <p:anim calcmode="lin" valueType="num">
-                                      <p:cBhvr>
-                                        <p:cTn id="22" dur="1000"/>
-                                        <p:tgtEl>
-                                          <p:spTgt spid="1027"/>
-                                        </p:tgtEl>
-                                        <p:attrNameLst>
-                                          <p:attrName>ppt_y</p:attrName>
-                                        </p:attrNameLst>
-                                      </p:cBhvr>
-                                      <p:tavLst>
-                                        <p:tav tm="0">
-                                          <p:val>
-                                            <p:strVal val="ppt_y"/>
-                                          </p:val>
-                                        </p:tav>
-                                        <p:tav tm="100000">
-                                          <p:val>
-                                            <p:strVal val="ppt_y+.1"/>
-                                          </p:val>
-                                        </p:tav>
-                                      </p:tavLst>
-                                    </p:anim>
-                                    <p:set>
-                                      <p:cBhvr>
-                                        <p:cTn id="23" dur="1" fill="hold">
-                                          <p:stCondLst>
-                                            <p:cond delay="999"/>
-                                          </p:stCondLst>
-                                        </p:cTn>
-                                        <p:tgtEl>
-                                          <p:spTgt spid="1027"/>
-                                        </p:tgtEl>
-                                        <p:attrNameLst>
-                                          <p:attrName>style.visibility</p:attrName>
-                                        </p:attrNameLst>
-                                      </p:cBhvr>
-                                      <p:to>
-                                        <p:strVal val="hidden"/>
-                                      </p:to>
-                                    </p:set>
-                                  </p:childTnLst>
-                                </p:cTn>
-                              </p:par>
-                            </p:childTnLst>
-                          </p:cTn>
-                        </p:par>
-                      </p:childTnLst>
-                    </p:cTn>
-                  </p:par>
-                  <p:par>
-                    <p:cTn id="24" fill="hold">
-                      <p:stCondLst>
-                        <p:cond delay="indefinite"/>
-                      </p:stCondLst>
-                      <p:childTnLst>
-                        <p:par>
-                          <p:cTn id="25" fill="hold">
-                            <p:stCondLst>
-                              <p:cond delay="0"/>
-                            </p:stCondLst>
-                            <p:childTnLst>
-                              <p:par>
-                                <p:cTn id="26" presetID="42" presetClass="entr" presetSubtype="0" fill="hold" nodeType="clickEffect">
-                                  <p:stCondLst>
-                                    <p:cond delay="0"/>
-                                  </p:stCondLst>
-                                  <p:childTnLst>
-                                    <p:set>
-                                      <p:cBhvr>
-                                        <p:cTn id="27" dur="1" fill="hold">
                                           <p:stCondLst>
                                             <p:cond delay="0"/>
                                           </p:stCondLst>
@@ -13746,58 +13482,12 @@
                                     </p:set>
                                     <p:animEffect transition="in" filter="fade">
                                       <p:cBhvr>
-                                        <p:cTn id="28" dur="1000"/>
+                                        <p:cTn id="17" dur="500"/>
                                         <p:tgtEl>
                                           <p:spTgt spid="1028"/>
                                         </p:tgtEl>
                                       </p:cBhvr>
                                     </p:animEffect>
-                                    <p:anim calcmode="lin" valueType="num">
-                                      <p:cBhvr>
-                                        <p:cTn id="29" dur="1000" fill="hold"/>
-                                        <p:tgtEl>
-                                          <p:spTgt spid="1028"/>
-                                        </p:tgtEl>
-                                        <p:attrNameLst>
-                                          <p:attrName>ppt_x</p:attrName>
-                                        </p:attrNameLst>
-                                      </p:cBhvr>
-                                      <p:tavLst>
-                                        <p:tav tm="0">
-                                          <p:val>
-                                            <p:strVal val="#ppt_x"/>
-                                          </p:val>
-                                        </p:tav>
-                                        <p:tav tm="100000">
-                                          <p:val>
-                                            <p:strVal val="#ppt_x"/>
-                                          </p:val>
-                                        </p:tav>
-                                      </p:tavLst>
-                                    </p:anim>
-                                    <p:anim calcmode="lin" valueType="num">
-                                      <p:cBhvr>
-                                        <p:cTn id="30" dur="1000" fill="hold"/>
-                                        <p:tgtEl>
-                                          <p:spTgt spid="1028"/>
-                                        </p:tgtEl>
-                                        <p:attrNameLst>
-                                          <p:attrName>ppt_y</p:attrName>
-                                        </p:attrNameLst>
-                                      </p:cBhvr>
-                                      <p:tavLst>
-                                        <p:tav tm="0">
-                                          <p:val>
-                                            <p:strVal val="#ppt_y+.1"/>
-                                          </p:val>
-                                        </p:tav>
-                                        <p:tav tm="100000">
-                                          <p:val>
-                                            <p:strVal val="#ppt_y"/>
-                                          </p:val>
-                                        </p:tav>
-                                      </p:tavLst>
-                                    </p:anim>
                                   </p:childTnLst>
                                 </p:cTn>
                               </p:par>
@@ -13889,7 +13579,7 @@
           <a:p>
             <a:fld id="{6B96E1E1-4559-49B9-BB75-F99EC1FF316E}" type="datetime1">
               <a:rPr lang="fr-FR" smtClean="0"/>
-              <a:t>30/06/2015</a:t>
+              <a:t>01/07/2015</a:t>
             </a:fld>
             <a:endParaRPr lang="fr-BE"/>
           </a:p>
@@ -13975,6 +13665,13 @@
   <p:clrMapOvr>
     <a:masterClrMapping/>
   </p:clrMapOvr>
+  <p:timing>
+    <p:tnLst>
+      <p:par>
+        <p:cTn id="1" dur="indefinite" restart="never" nodeType="tmRoot"/>
+      </p:par>
+    </p:tnLst>
+  </p:timing>
 </p:sld>
 </file>
 

--- a/trunk/modelisator/Gestion de projet/2015_06_30 [Modelisator] Step Finale LP74/2015_07_01  [Modelisator] Presentation_Final.pptx
+++ b/trunk/modelisator/Gestion de projet/2015_06_30 [Modelisator] Step Finale LP74/2015_07_01  [Modelisator] Presentation_Final.pptx
@@ -5,7 +5,7 @@
     <p:sldMasterId id="2147483660" r:id="rId1"/>
   </p:sldMasterIdLst>
   <p:notesMasterIdLst>
-    <p:notesMasterId r:id="rId21"/>
+    <p:notesMasterId r:id="rId20"/>
   </p:notesMasterIdLst>
   <p:sldIdLst>
     <p:sldId id="256" r:id="rId2"/>
@@ -25,8 +25,7 @@
     <p:sldId id="285" r:id="rId16"/>
     <p:sldId id="266" r:id="rId17"/>
     <p:sldId id="267" r:id="rId18"/>
-    <p:sldId id="269" r:id="rId19"/>
-    <p:sldId id="280" r:id="rId20"/>
+    <p:sldId id="280" r:id="rId19"/>
   </p:sldIdLst>
   <p:sldSz cx="9144000" cy="6858000" type="screen4x3"/>
   <p:notesSz cx="6858000" cy="9144000"/>
@@ -892,7 +891,7 @@
           <a:p>
             <a:r>
               <a:rPr lang="fr-FR" dirty="0" smtClean="0"/>
-              <a:t>OMAR</a:t>
+              <a:t>TAHA</a:t>
             </a:r>
             <a:endParaRPr lang="fr-FR" dirty="0"/>
           </a:p>
@@ -980,7 +979,7 @@
           <a:p>
             <a:r>
               <a:rPr lang="fr-FR" dirty="0" smtClean="0"/>
-              <a:t>OMAR</a:t>
+              <a:t>TAHA</a:t>
             </a:r>
             <a:endParaRPr lang="fr-FR" dirty="0"/>
           </a:p>
@@ -1068,7 +1067,7 @@
           <a:p>
             <a:r>
               <a:rPr lang="fr-FR" dirty="0" smtClean="0"/>
-              <a:t>OMAR</a:t>
+              <a:t>TAHA</a:t>
             </a:r>
             <a:endParaRPr lang="fr-FR" dirty="0"/>
           </a:p>
@@ -1378,7 +1377,7 @@
           <a:p>
             <a:r>
               <a:rPr lang="fr-FR" dirty="0" smtClean="0"/>
-              <a:t>QUENTIN</a:t>
+              <a:t>OMAR</a:t>
             </a:r>
             <a:endParaRPr lang="fr-FR" dirty="0"/>
           </a:p>
@@ -1402,94 +1401,6 @@
             <a:fld id="{BE12C92E-3900-4461-B5FA-310C7A928654}" type="slidenum">
               <a:rPr lang="fr-FR" smtClean="0"/>
               <a:t>18</a:t>
-            </a:fld>
-            <a:endParaRPr lang="fr-FR"/>
-          </a:p>
-        </p:txBody>
-      </p:sp>
-    </p:spTree>
-    <p:extLst>
-      <p:ext uri="{BB962C8B-B14F-4D97-AF65-F5344CB8AC3E}">
-        <p14:creationId xmlns:p14="http://schemas.microsoft.com/office/powerpoint/2010/main" val="2954891256"/>
-      </p:ext>
-    </p:extLst>
-  </p:cSld>
-  <p:clrMapOvr>
-    <a:masterClrMapping/>
-  </p:clrMapOvr>
-</p:notes>
-</file>
-
-<file path=ppt/notesSlides/notesSlide19.xml><?xml version="1.0" encoding="utf-8"?>
-<p:notes xmlns:a="http://schemas.openxmlformats.org/drawingml/2006/main" xmlns:r="http://schemas.openxmlformats.org/officeDocument/2006/relationships" xmlns:p="http://schemas.openxmlformats.org/presentationml/2006/main">
-  <p:cSld>
-    <p:spTree>
-      <p:nvGrpSpPr>
-        <p:cNvPr id="1" name=""/>
-        <p:cNvGrpSpPr/>
-        <p:nvPr/>
-      </p:nvGrpSpPr>
-      <p:grpSpPr>
-        <a:xfrm>
-          <a:off x="0" y="0"/>
-          <a:ext cx="0" cy="0"/>
-          <a:chOff x="0" y="0"/>
-          <a:chExt cx="0" cy="0"/>
-        </a:xfrm>
-      </p:grpSpPr>
-      <p:sp>
-        <p:nvSpPr>
-          <p:cNvPr id="2" name="Espace réservé de l'image des diapositives 1"/>
-          <p:cNvSpPr>
-            <a:spLocks noGrp="1" noRot="1" noChangeAspect="1"/>
-          </p:cNvSpPr>
-          <p:nvPr>
-            <p:ph type="sldImg"/>
-          </p:nvPr>
-        </p:nvSpPr>
-        <p:spPr/>
-      </p:sp>
-      <p:sp>
-        <p:nvSpPr>
-          <p:cNvPr id="3" name="Espace réservé des commentaires 2"/>
-          <p:cNvSpPr>
-            <a:spLocks noGrp="1"/>
-          </p:cNvSpPr>
-          <p:nvPr>
-            <p:ph type="body" idx="1"/>
-          </p:nvPr>
-        </p:nvSpPr>
-        <p:spPr/>
-        <p:txBody>
-          <a:bodyPr/>
-          <a:lstStyle/>
-          <a:p>
-            <a:r>
-              <a:rPr lang="fr-FR" dirty="0" smtClean="0"/>
-              <a:t>OMAR</a:t>
-            </a:r>
-            <a:endParaRPr lang="fr-FR" dirty="0"/>
-          </a:p>
-        </p:txBody>
-      </p:sp>
-      <p:sp>
-        <p:nvSpPr>
-          <p:cNvPr id="4" name="Espace réservé du numéro de diapositive 3"/>
-          <p:cNvSpPr>
-            <a:spLocks noGrp="1"/>
-          </p:cNvSpPr>
-          <p:nvPr>
-            <p:ph type="sldNum" sz="quarter" idx="10"/>
-          </p:nvPr>
-        </p:nvSpPr>
-        <p:spPr/>
-        <p:txBody>
-          <a:bodyPr/>
-          <a:lstStyle/>
-          <a:p>
-            <a:fld id="{BE12C92E-3900-4461-B5FA-310C7A928654}" type="slidenum">
-              <a:rPr lang="fr-FR" smtClean="0"/>
-              <a:t>19</a:t>
             </a:fld>
             <a:endParaRPr lang="fr-FR"/>
           </a:p>
@@ -7608,11 +7519,11 @@
   <p:clrMapOvr>
     <a:masterClrMapping/>
   </p:clrMapOvr>
-  <mc:AlternateContent xmlns:mc="http://schemas.openxmlformats.org/markup-compatibility/2006">
-    <mc:Choice xmlns:p14="http://schemas.microsoft.com/office/powerpoint/2010/main" Requires="p14">
+  <mc:AlternateContent xmlns:mc="http://schemas.openxmlformats.org/markup-compatibility/2006" xmlns:p14="http://schemas.microsoft.com/office/powerpoint/2010/main">
+    <mc:Choice Requires="p14">
       <p:transition p14:dur="0"/>
     </mc:Choice>
-    <mc:Fallback>
+    <mc:Fallback xmlns="">
       <p:transition/>
     </mc:Fallback>
   </mc:AlternateContent>
@@ -7794,11 +7705,11 @@
   <p:clrMapOvr>
     <a:masterClrMapping/>
   </p:clrMapOvr>
-  <mc:AlternateContent xmlns:mc="http://schemas.openxmlformats.org/markup-compatibility/2006">
-    <mc:Choice xmlns:p14="http://schemas.microsoft.com/office/powerpoint/2010/main" Requires="p14">
+  <mc:AlternateContent xmlns:mc="http://schemas.openxmlformats.org/markup-compatibility/2006" xmlns:p14="http://schemas.microsoft.com/office/powerpoint/2010/main">
+    <mc:Choice Requires="p14">
       <p:transition p14:dur="0"/>
     </mc:Choice>
-    <mc:Fallback>
+    <mc:Fallback xmlns="">
       <p:transition/>
     </mc:Fallback>
   </mc:AlternateContent>
@@ -7976,11 +7887,11 @@
   <p:clrMapOvr>
     <a:masterClrMapping/>
   </p:clrMapOvr>
-  <mc:AlternateContent xmlns:mc="http://schemas.openxmlformats.org/markup-compatibility/2006">
-    <mc:Choice xmlns:p14="http://schemas.microsoft.com/office/powerpoint/2010/main" Requires="p14">
+  <mc:AlternateContent xmlns:mc="http://schemas.openxmlformats.org/markup-compatibility/2006" xmlns:p14="http://schemas.microsoft.com/office/powerpoint/2010/main">
+    <mc:Choice Requires="p14">
       <p:transition p14:dur="0"/>
     </mc:Choice>
-    <mc:Fallback>
+    <mc:Fallback xmlns="">
       <p:transition/>
     </mc:Fallback>
   </mc:AlternateContent>
@@ -8197,11 +8108,11 @@
   <p:clrMapOvr>
     <a:masterClrMapping/>
   </p:clrMapOvr>
-  <mc:AlternateContent xmlns:mc="http://schemas.openxmlformats.org/markup-compatibility/2006">
-    <mc:Choice xmlns:p14="http://schemas.microsoft.com/office/powerpoint/2010/main" Requires="p14">
+  <mc:AlternateContent xmlns:mc="http://schemas.openxmlformats.org/markup-compatibility/2006" xmlns:p14="http://schemas.microsoft.com/office/powerpoint/2010/main">
+    <mc:Choice Requires="p14">
       <p:transition p14:dur="0"/>
     </mc:Choice>
-    <mc:Fallback>
+    <mc:Fallback xmlns="">
       <p:transition/>
     </mc:Fallback>
   </mc:AlternateContent>
@@ -8409,11 +8320,11 @@
   <p:clrMapOvr>
     <a:masterClrMapping/>
   </p:clrMapOvr>
-  <mc:AlternateContent xmlns:mc="http://schemas.openxmlformats.org/markup-compatibility/2006">
-    <mc:Choice xmlns:p14="http://schemas.microsoft.com/office/powerpoint/2010/main" Requires="p14">
+  <mc:AlternateContent xmlns:mc="http://schemas.openxmlformats.org/markup-compatibility/2006" xmlns:p14="http://schemas.microsoft.com/office/powerpoint/2010/main">
+    <mc:Choice Requires="p14">
       <p:transition p14:dur="0"/>
     </mc:Choice>
-    <mc:Fallback>
+    <mc:Fallback xmlns="">
       <p:transition/>
     </mc:Fallback>
   </mc:AlternateContent>
@@ -8630,11 +8541,11 @@
   <p:clrMapOvr>
     <a:masterClrMapping/>
   </p:clrMapOvr>
-  <mc:AlternateContent xmlns:mc="http://schemas.openxmlformats.org/markup-compatibility/2006">
-    <mc:Choice xmlns:p14="http://schemas.microsoft.com/office/powerpoint/2010/main" Requires="p14">
+  <mc:AlternateContent xmlns:mc="http://schemas.openxmlformats.org/markup-compatibility/2006" xmlns:p14="http://schemas.microsoft.com/office/powerpoint/2010/main">
+    <mc:Choice Requires="p14">
       <p:transition p14:dur="0"/>
     </mc:Choice>
-    <mc:Fallback>
+    <mc:Fallback xmlns="">
       <p:transition/>
     </mc:Fallback>
   </mc:AlternateContent>
@@ -8851,11 +8762,11 @@
   <p:clrMapOvr>
     <a:masterClrMapping/>
   </p:clrMapOvr>
-  <mc:AlternateContent xmlns:mc="http://schemas.openxmlformats.org/markup-compatibility/2006">
-    <mc:Choice xmlns:p14="http://schemas.microsoft.com/office/powerpoint/2010/main" Requires="p14">
+  <mc:AlternateContent xmlns:mc="http://schemas.openxmlformats.org/markup-compatibility/2006" xmlns:p14="http://schemas.microsoft.com/office/powerpoint/2010/main">
+    <mc:Choice Requires="p14">
       <p:transition p14:dur="0"/>
     </mc:Choice>
-    <mc:Fallback>
+    <mc:Fallback xmlns="">
       <p:transition/>
     </mc:Fallback>
   </mc:AlternateContent>
@@ -9111,11 +9022,11 @@
   <p:clrMapOvr>
     <a:masterClrMapping/>
   </p:clrMapOvr>
-  <mc:AlternateContent xmlns:mc="http://schemas.openxmlformats.org/markup-compatibility/2006">
-    <mc:Choice xmlns:p14="http://schemas.microsoft.com/office/powerpoint/2010/main" Requires="p14">
+  <mc:AlternateContent xmlns:mc="http://schemas.openxmlformats.org/markup-compatibility/2006" xmlns:p14="http://schemas.microsoft.com/office/powerpoint/2010/main">
+    <mc:Choice Requires="p14">
       <p:transition p14:dur="0"/>
     </mc:Choice>
-    <mc:Fallback>
+    <mc:Fallback xmlns="">
       <p:transition/>
     </mc:Fallback>
   </mc:AlternateContent>
@@ -9573,11 +9484,11 @@
   <p:clrMapOvr>
     <a:masterClrMapping/>
   </p:clrMapOvr>
-  <mc:AlternateContent xmlns:mc="http://schemas.openxmlformats.org/markup-compatibility/2006">
-    <mc:Choice xmlns:p14="http://schemas.microsoft.com/office/powerpoint/2010/main" Requires="p14">
+  <mc:AlternateContent xmlns:mc="http://schemas.openxmlformats.org/markup-compatibility/2006" xmlns:p14="http://schemas.microsoft.com/office/powerpoint/2010/main">
+    <mc:Choice Requires="p14">
       <p:transition p14:dur="0"/>
     </mc:Choice>
-    <mc:Fallback>
+    <mc:Fallback xmlns="">
       <p:transition/>
     </mc:Fallback>
   </mc:AlternateContent>
@@ -9625,157 +9536,40 @@
           <a:p>
             <a:r>
               <a:rPr lang="fr-FR" dirty="0" smtClean="0"/>
-              <a:t>V – Tests</a:t>
+              <a:t>V. </a:t>
+            </a:r>
+            <a:r>
+              <a:rPr lang="fr-FR" dirty="0" smtClean="0"/>
+              <a:t>Démonstration</a:t>
             </a:r>
             <a:endParaRPr lang="fr-FR" dirty="0"/>
           </a:p>
         </p:txBody>
       </p:sp>
-      <p:pic>
-        <p:nvPicPr>
-          <p:cNvPr id="5" name="Espace réservé du contenu 4" descr="test-produits.jpeg"/>
-          <p:cNvPicPr>
-            <a:picLocks noGrp="1" noChangeAspect="1"/>
-          </p:cNvPicPr>
+      <p:sp>
+        <p:nvSpPr>
+          <p:cNvPr id="3" name="Espace réservé du contenu 2"/>
+          <p:cNvSpPr>
+            <a:spLocks noGrp="1"/>
+          </p:cNvSpPr>
           <p:nvPr>
             <p:ph idx="1"/>
           </p:nvPr>
-        </p:nvPicPr>
-        <p:blipFill>
-          <a:blip r:embed="rId3"/>
-          <a:stretch>
-            <a:fillRect/>
-          </a:stretch>
-        </p:blipFill>
-        <p:spPr>
-          <a:xfrm>
-            <a:off x="5072066" y="1214422"/>
-            <a:ext cx="3810000" cy="2857500"/>
-          </a:xfrm>
-        </p:spPr>
-      </p:pic>
-      <p:sp>
-        <p:nvSpPr>
-          <p:cNvPr id="1026" name="AutoShape 2" descr="Résultat de recherche d'images pour &quot;test unitaire&quot;"/>
-          <p:cNvSpPr>
-            <a:spLocks noChangeAspect="1" noChangeArrowheads="1"/>
-          </p:cNvSpPr>
-          <p:nvPr/>
-        </p:nvSpPr>
-        <p:spPr bwMode="auto">
-          <a:xfrm>
-            <a:off x="155575" y="-144463"/>
-            <a:ext cx="304800" cy="304801"/>
-          </a:xfrm>
-          <a:prstGeom prst="rect">
-            <a:avLst/>
-          </a:prstGeom>
-          <a:noFill/>
-        </p:spPr>
-        <p:txBody>
-          <a:bodyPr vert="horz" wrap="square" lIns="91440" tIns="45720" rIns="91440" bIns="45720" numCol="1" anchor="t" anchorCtr="0" compatLnSpc="1">
-            <a:prstTxWarp prst="textNoShape">
-              <a:avLst/>
-            </a:prstTxWarp>
+        </p:nvSpPr>
+        <p:spPr/>
+        <p:txBody>
+          <a:bodyPr>
+            <a:normAutofit/>
           </a:bodyPr>
           <a:lstStyle/>
           <a:p>
-            <a:endParaRPr lang="fr-FR"/>
-          </a:p>
-        </p:txBody>
-      </p:sp>
-      <p:sp>
-        <p:nvSpPr>
-          <p:cNvPr id="6" name="ZoneTexte 5"/>
-          <p:cNvSpPr txBox="1"/>
-          <p:nvPr/>
-        </p:nvSpPr>
-        <p:spPr>
-          <a:xfrm>
-            <a:off x="928662" y="1357298"/>
-            <a:ext cx="2079415" cy="3077766"/>
-          </a:xfrm>
-          <a:prstGeom prst="rect">
-            <a:avLst/>
-          </a:prstGeom>
-          <a:noFill/>
-        </p:spPr>
-        <p:txBody>
-          <a:bodyPr wrap="none" rtlCol="0">
-            <a:spAutoFit/>
-          </a:bodyPr>
-          <a:lstStyle/>
-          <a:p>
-            <a:pPr>
-              <a:buFontTx/>
-              <a:buChar char="-"/>
-            </a:pPr>
-            <a:r>
-              <a:rPr lang="fr-FR" sz="2800" dirty="0" smtClean="0"/>
-              <a:t> Unitaires</a:t>
-            </a:r>
-          </a:p>
-          <a:p>
-            <a:pPr>
-              <a:buFontTx/>
-              <a:buChar char="-"/>
-            </a:pPr>
-            <a:endParaRPr lang="fr-FR" dirty="0" smtClean="0"/>
-          </a:p>
-          <a:p>
-            <a:pPr>
-              <a:buFontTx/>
-              <a:buChar char="-"/>
-            </a:pPr>
-            <a:endParaRPr lang="fr-FR" dirty="0" smtClean="0"/>
-          </a:p>
-          <a:p>
-            <a:pPr>
-              <a:buFontTx/>
-              <a:buChar char="-"/>
-            </a:pPr>
-            <a:endParaRPr lang="fr-FR" dirty="0" smtClean="0"/>
-          </a:p>
-          <a:p>
-            <a:pPr>
-              <a:buFontTx/>
-              <a:buChar char="-"/>
-            </a:pPr>
-            <a:r>
-              <a:rPr lang="fr-FR" sz="2800" dirty="0" smtClean="0"/>
-              <a:t>Intégrations</a:t>
-            </a:r>
-          </a:p>
-          <a:p>
-            <a:pPr>
-              <a:buFontTx/>
-              <a:buChar char="-"/>
-            </a:pPr>
-            <a:endParaRPr lang="fr-FR" sz="2800" dirty="0" smtClean="0"/>
-          </a:p>
-          <a:p>
-            <a:pPr>
-              <a:buFontTx/>
-              <a:buChar char="-"/>
-            </a:pPr>
-            <a:endParaRPr lang="fr-FR" sz="2800" dirty="0" smtClean="0"/>
-          </a:p>
-          <a:p>
-            <a:pPr>
-              <a:buFontTx/>
-              <a:buChar char="-"/>
-            </a:pPr>
-            <a:r>
-              <a:rPr lang="fr-FR" sz="2800" dirty="0" smtClean="0"/>
-              <a:t>Recettes</a:t>
-            </a:r>
-            <a:endParaRPr lang="fr-FR" sz="2800" dirty="0"/>
-          </a:p>
-        </p:txBody>
-      </p:sp>
-      <p:sp>
-        <p:nvSpPr>
-          <p:cNvPr id="3" name="Espace réservé de la date 2"/>
+            <a:endParaRPr lang="fr-FR" sz="2800" b="0" dirty="0"/>
+          </a:p>
+        </p:txBody>
+      </p:sp>
+      <p:sp>
+        <p:nvSpPr>
+          <p:cNvPr id="4" name="Espace réservé de la date 3"/>
           <p:cNvSpPr>
             <a:spLocks noGrp="1"/>
           </p:cNvSpPr>
@@ -9788,7 +9582,7 @@
           <a:bodyPr/>
           <a:lstStyle/>
           <a:p>
-            <a:fld id="{B7DF33DE-7512-4558-B8E6-59E44EA24C44}" type="datetime1">
+            <a:fld id="{C2C984D5-3D71-4534-A114-ADB3998B7D9C}" type="datetime1">
               <a:rPr lang="fr-FR" smtClean="0"/>
               <a:t>01/07/2015</a:t>
             </a:fld>
@@ -9798,7 +9592,7 @@
       </p:sp>
       <p:sp>
         <p:nvSpPr>
-          <p:cNvPr id="4" name="Espace réservé du pied de page 3"/>
+          <p:cNvPr id="5" name="Espace réservé du pied de page 4"/>
           <p:cNvSpPr>
             <a:spLocks noGrp="1"/>
           </p:cNvSpPr>
@@ -9821,7 +9615,7 @@
       </p:sp>
       <p:sp>
         <p:nvSpPr>
-          <p:cNvPr id="7" name="Espace réservé du numéro de diapositive 6"/>
+          <p:cNvPr id="6" name="Espace réservé du numéro de diapositive 5"/>
           <p:cNvSpPr>
             <a:spLocks noGrp="1"/>
           </p:cNvSpPr>
@@ -9837,164 +9631,6 @@
             <a:fld id="{CF4668DC-857F-487D-BFFA-8C0CA5037977}" type="slidenum">
               <a:rPr lang="fr-BE" smtClean="0"/>
               <a:t>18</a:t>
-            </a:fld>
-            <a:endParaRPr lang="fr-BE"/>
-          </a:p>
-        </p:txBody>
-      </p:sp>
-    </p:spTree>
-    <p:extLst>
-      <p:ext uri="{BB962C8B-B14F-4D97-AF65-F5344CB8AC3E}">
-        <p14:creationId xmlns:p14="http://schemas.microsoft.com/office/powerpoint/2010/main" val="1161559585"/>
-      </p:ext>
-    </p:extLst>
-  </p:cSld>
-  <p:clrMapOvr>
-    <a:masterClrMapping/>
-  </p:clrMapOvr>
-  <mc:AlternateContent xmlns:mc="http://schemas.openxmlformats.org/markup-compatibility/2006">
-    <mc:Choice xmlns:p14="http://schemas.microsoft.com/office/powerpoint/2010/main" Requires="p14">
-      <p:transition p14:dur="0"/>
-    </mc:Choice>
-    <mc:Fallback>
-      <p:transition/>
-    </mc:Fallback>
-  </mc:AlternateContent>
-  <p:timing>
-    <p:tnLst>
-      <p:par>
-        <p:cTn id="1" dur="indefinite" restart="never" nodeType="tmRoot"/>
-      </p:par>
-    </p:tnLst>
-  </p:timing>
-</p:sld>
-</file>
-
-<file path=ppt/slides/slide19.xml><?xml version="1.0" encoding="utf-8"?>
-<p:sld xmlns:a="http://schemas.openxmlformats.org/drawingml/2006/main" xmlns:r="http://schemas.openxmlformats.org/officeDocument/2006/relationships" xmlns:p="http://schemas.openxmlformats.org/presentationml/2006/main">
-  <p:cSld>
-    <p:spTree>
-      <p:nvGrpSpPr>
-        <p:cNvPr id="1" name=""/>
-        <p:cNvGrpSpPr/>
-        <p:nvPr/>
-      </p:nvGrpSpPr>
-      <p:grpSpPr>
-        <a:xfrm>
-          <a:off x="0" y="0"/>
-          <a:ext cx="0" cy="0"/>
-          <a:chOff x="0" y="0"/>
-          <a:chExt cx="0" cy="0"/>
-        </a:xfrm>
-      </p:grpSpPr>
-      <p:sp>
-        <p:nvSpPr>
-          <p:cNvPr id="2" name="Titre 1"/>
-          <p:cNvSpPr>
-            <a:spLocks noGrp="1"/>
-          </p:cNvSpPr>
-          <p:nvPr>
-            <p:ph type="title"/>
-          </p:nvPr>
-        </p:nvSpPr>
-        <p:spPr/>
-        <p:txBody>
-          <a:bodyPr/>
-          <a:lstStyle/>
-          <a:p>
-            <a:r>
-              <a:rPr lang="fr-FR" dirty="0" smtClean="0"/>
-              <a:t>VI. Démonstration</a:t>
-            </a:r>
-            <a:endParaRPr lang="fr-FR" dirty="0"/>
-          </a:p>
-        </p:txBody>
-      </p:sp>
-      <p:sp>
-        <p:nvSpPr>
-          <p:cNvPr id="3" name="Espace réservé du contenu 2"/>
-          <p:cNvSpPr>
-            <a:spLocks noGrp="1"/>
-          </p:cNvSpPr>
-          <p:nvPr>
-            <p:ph idx="1"/>
-          </p:nvPr>
-        </p:nvSpPr>
-        <p:spPr/>
-        <p:txBody>
-          <a:bodyPr>
-            <a:normAutofit/>
-          </a:bodyPr>
-          <a:lstStyle/>
-          <a:p>
-            <a:endParaRPr lang="fr-FR" sz="2800" b="0" dirty="0"/>
-          </a:p>
-        </p:txBody>
-      </p:sp>
-      <p:sp>
-        <p:nvSpPr>
-          <p:cNvPr id="4" name="Espace réservé de la date 3"/>
-          <p:cNvSpPr>
-            <a:spLocks noGrp="1"/>
-          </p:cNvSpPr>
-          <p:nvPr>
-            <p:ph type="dt" sz="half" idx="10"/>
-          </p:nvPr>
-        </p:nvSpPr>
-        <p:spPr/>
-        <p:txBody>
-          <a:bodyPr/>
-          <a:lstStyle/>
-          <a:p>
-            <a:fld id="{C2C984D5-3D71-4534-A114-ADB3998B7D9C}" type="datetime1">
-              <a:rPr lang="fr-FR" smtClean="0"/>
-              <a:t>01/07/2015</a:t>
-            </a:fld>
-            <a:endParaRPr lang="fr-BE"/>
-          </a:p>
-        </p:txBody>
-      </p:sp>
-      <p:sp>
-        <p:nvSpPr>
-          <p:cNvPr id="5" name="Espace réservé du pied de page 4"/>
-          <p:cNvSpPr>
-            <a:spLocks noGrp="1"/>
-          </p:cNvSpPr>
-          <p:nvPr>
-            <p:ph type="ftr" sz="quarter" idx="11"/>
-          </p:nvPr>
-        </p:nvSpPr>
-        <p:spPr/>
-        <p:txBody>
-          <a:bodyPr/>
-          <a:lstStyle/>
-          <a:p>
-            <a:r>
-              <a:rPr lang="fr-FR" smtClean="0"/>
-              <a:t>Apprenti Ingénieur informatique - UTBM -CFAI</a:t>
-            </a:r>
-            <a:endParaRPr lang="fr-BE"/>
-          </a:p>
-        </p:txBody>
-      </p:sp>
-      <p:sp>
-        <p:nvSpPr>
-          <p:cNvPr id="6" name="Espace réservé du numéro de diapositive 5"/>
-          <p:cNvSpPr>
-            <a:spLocks noGrp="1"/>
-          </p:cNvSpPr>
-          <p:nvPr>
-            <p:ph type="sldNum" sz="quarter" idx="12"/>
-          </p:nvPr>
-        </p:nvSpPr>
-        <p:spPr/>
-        <p:txBody>
-          <a:bodyPr/>
-          <a:lstStyle/>
-          <a:p>
-            <a:fld id="{CF4668DC-857F-487D-BFFA-8C0CA5037977}" type="slidenum">
-              <a:rPr lang="fr-BE" smtClean="0"/>
-              <a:t>19</a:t>
             </a:fld>
             <a:endParaRPr lang="fr-BE"/>
           </a:p>
@@ -10010,11 +9646,11 @@
   <p:clrMapOvr>
     <a:masterClrMapping/>
   </p:clrMapOvr>
-  <mc:AlternateContent xmlns:mc="http://schemas.openxmlformats.org/markup-compatibility/2006">
-    <mc:Choice xmlns:p14="http://schemas.microsoft.com/office/powerpoint/2010/main" Requires="p14">
+  <mc:AlternateContent xmlns:mc="http://schemas.openxmlformats.org/markup-compatibility/2006" xmlns:p14="http://schemas.microsoft.com/office/powerpoint/2010/main">
+    <mc:Choice Requires="p14">
       <p:transition p14:dur="0"/>
     </mc:Choice>
-    <mc:Fallback>
+    <mc:Fallback xmlns="">
       <p:transition/>
     </mc:Fallback>
   </mc:AlternateContent>
@@ -10130,13 +9766,10 @@
               <a:buAutoNum type="romanUcPeriod"/>
             </a:pPr>
             <a:r>
-              <a:rPr lang="fr-FR" sz="2000" dirty="0"/>
-              <a:t>Systèmes </a:t>
-            </a:r>
-            <a:r>
               <a:rPr lang="fr-FR" sz="2000" dirty="0" smtClean="0"/>
-              <a:t>processus</a:t>
-            </a:r>
+              <a:t>Maquettes</a:t>
+            </a:r>
+            <a:endParaRPr lang="fr-FR" sz="2000" b="0" dirty="0" smtClean="0"/>
           </a:p>
           <a:p>
             <a:pPr marL="742950" lvl="2" indent="-514350" fontAlgn="base">
@@ -10144,41 +9777,10 @@
               <a:buAutoNum type="romanUcPeriod"/>
             </a:pPr>
             <a:r>
-              <a:rPr lang="fr-FR" sz="2000" b="0" dirty="0" smtClean="0"/>
-              <a:t>Gestion de projet</a:t>
-            </a:r>
-          </a:p>
-          <a:p>
-            <a:pPr marL="742950" lvl="2" indent="-514350" fontAlgn="base">
-              <a:buFont typeface="+mj-lt"/>
-              <a:buAutoNum type="romanUcPeriod"/>
-            </a:pPr>
-            <a:r>
               <a:rPr lang="fr-FR" sz="2000" dirty="0" smtClean="0"/>
-              <a:t>Maquettes</a:t>
-            </a:r>
-            <a:endParaRPr lang="fr-FR" sz="2000" b="0" dirty="0" smtClean="0"/>
-          </a:p>
-          <a:p>
-            <a:pPr marL="742950" lvl="2" indent="-514350" fontAlgn="base">
-              <a:buFont typeface="+mj-lt"/>
-              <a:buAutoNum type="romanUcPeriod"/>
-            </a:pPr>
-            <a:r>
-              <a:rPr lang="fr-FR" sz="2000" dirty="0" smtClean="0"/>
-              <a:t>Développements</a:t>
-            </a:r>
-          </a:p>
-          <a:p>
-            <a:pPr marL="742950" lvl="2" indent="-514350" fontAlgn="base">
-              <a:buFont typeface="+mj-lt"/>
-              <a:buAutoNum type="romanUcPeriod"/>
-            </a:pPr>
-            <a:r>
-              <a:rPr lang="fr-FR" sz="2000" b="0" dirty="0" smtClean="0"/>
-              <a:t>Tests</a:t>
-            </a:r>
-            <a:endParaRPr lang="fr-FR" sz="2000" b="0" dirty="0"/>
+              <a:t>Développement</a:t>
+            </a:r>
+            <a:endParaRPr lang="fr-FR" sz="2000" dirty="0" smtClean="0"/>
           </a:p>
           <a:p>
             <a:pPr marL="742950" lvl="2" indent="-514350" fontAlgn="base">
@@ -10275,11 +9877,11 @@
   <p:clrMapOvr>
     <a:masterClrMapping/>
   </p:clrMapOvr>
-  <mc:AlternateContent xmlns:mc="http://schemas.openxmlformats.org/markup-compatibility/2006">
-    <mc:Choice xmlns:p14="http://schemas.microsoft.com/office/powerpoint/2010/main" Requires="p14">
+  <mc:AlternateContent xmlns:mc="http://schemas.openxmlformats.org/markup-compatibility/2006" xmlns:p14="http://schemas.microsoft.com/office/powerpoint/2010/main">
+    <mc:Choice Requires="p14">
       <p:transition p14:dur="0"/>
     </mc:Choice>
-    <mc:Fallback>
+    <mc:Fallback xmlns="">
       <p:transition/>
     </mc:Fallback>
   </mc:AlternateContent>
@@ -10602,11 +10204,11 @@
   <p:clrMapOvr>
     <a:masterClrMapping/>
   </p:clrMapOvr>
-  <mc:AlternateContent xmlns:mc="http://schemas.openxmlformats.org/markup-compatibility/2006">
-    <mc:Choice xmlns:p14="http://schemas.microsoft.com/office/powerpoint/2010/main" Requires="p14">
+  <mc:AlternateContent xmlns:mc="http://schemas.openxmlformats.org/markup-compatibility/2006" xmlns:p14="http://schemas.microsoft.com/office/powerpoint/2010/main">
+    <mc:Choice Requires="p14">
       <p:transition p14:dur="0"/>
     </mc:Choice>
-    <mc:Fallback>
+    <mc:Fallback xmlns="">
       <p:transition/>
     </mc:Fallback>
   </mc:AlternateContent>
@@ -11038,11 +10640,11 @@
   <p:clrMapOvr>
     <a:masterClrMapping/>
   </p:clrMapOvr>
-  <mc:AlternateContent xmlns:mc="http://schemas.openxmlformats.org/markup-compatibility/2006">
-    <mc:Choice xmlns:p14="http://schemas.microsoft.com/office/powerpoint/2010/main" Requires="p14">
+  <mc:AlternateContent xmlns:mc="http://schemas.openxmlformats.org/markup-compatibility/2006" xmlns:p14="http://schemas.microsoft.com/office/powerpoint/2010/main">
+    <mc:Choice Requires="p14">
       <p:transition p14:dur="0"/>
     </mc:Choice>
-    <mc:Fallback>
+    <mc:Fallback xmlns="">
       <p:transition/>
     </mc:Fallback>
   </mc:AlternateContent>
@@ -11574,11 +11176,11 @@
   <p:clrMapOvr>
     <a:masterClrMapping/>
   </p:clrMapOvr>
-  <mc:AlternateContent xmlns:mc="http://schemas.openxmlformats.org/markup-compatibility/2006">
-    <mc:Choice xmlns:p14="http://schemas.microsoft.com/office/powerpoint/2010/main" Requires="p14">
+  <mc:AlternateContent xmlns:mc="http://schemas.openxmlformats.org/markup-compatibility/2006" xmlns:p14="http://schemas.microsoft.com/office/powerpoint/2010/main">
+    <mc:Choice Requires="p14">
       <p:transition p14:dur="0"/>
     </mc:Choice>
-    <mc:Fallback>
+    <mc:Fallback xmlns="">
       <p:transition/>
     </mc:Fallback>
   </mc:AlternateContent>
@@ -12568,11 +12170,11 @@
   <p:clrMapOvr>
     <a:masterClrMapping/>
   </p:clrMapOvr>
-  <mc:AlternateContent xmlns:mc="http://schemas.openxmlformats.org/markup-compatibility/2006">
-    <mc:Choice xmlns:p14="http://schemas.microsoft.com/office/powerpoint/2010/main" Requires="p14">
+  <mc:AlternateContent xmlns:mc="http://schemas.openxmlformats.org/markup-compatibility/2006" xmlns:p14="http://schemas.microsoft.com/office/powerpoint/2010/main">
+    <mc:Choice Requires="p14">
       <p:transition p14:dur="0"/>
     </mc:Choice>
-    <mc:Fallback>
+    <mc:Fallback xmlns="">
       <p:transition/>
     </mc:Fallback>
   </mc:AlternateContent>
@@ -12836,11 +12438,11 @@
   <p:clrMapOvr>
     <a:masterClrMapping/>
   </p:clrMapOvr>
-  <mc:AlternateContent xmlns:mc="http://schemas.openxmlformats.org/markup-compatibility/2006">
-    <mc:Choice xmlns:p14="http://schemas.microsoft.com/office/powerpoint/2010/main" Requires="p14">
+  <mc:AlternateContent xmlns:mc="http://schemas.openxmlformats.org/markup-compatibility/2006" xmlns:p14="http://schemas.microsoft.com/office/powerpoint/2010/main">
+    <mc:Choice Requires="p14">
       <p:transition p14:dur="0"/>
     </mc:Choice>
-    <mc:Fallback>
+    <mc:Fallback xmlns="">
       <p:transition/>
     </mc:Fallback>
   </mc:AlternateContent>
@@ -13322,11 +12924,11 @@
   <p:clrMapOvr>
     <a:masterClrMapping/>
   </p:clrMapOvr>
-  <mc:AlternateContent xmlns:mc="http://schemas.openxmlformats.org/markup-compatibility/2006">
-    <mc:Choice xmlns:p14="http://schemas.microsoft.com/office/powerpoint/2010/main" Requires="p14">
+  <mc:AlternateContent xmlns:mc="http://schemas.openxmlformats.org/markup-compatibility/2006" xmlns:p14="http://schemas.microsoft.com/office/powerpoint/2010/main">
+    <mc:Choice Requires="p14">
       <p:transition p14:dur="0"/>
     </mc:Choice>
-    <mc:Fallback>
+    <mc:Fallback xmlns="">
       <p:transition/>
     </mc:Fallback>
   </mc:AlternateContent>

--- a/trunk/modelisator/Gestion de projet/2015_06_30 [Modelisator] Step Finale LP74/2015_07_01  [Modelisator] Presentation_Final.pptx
+++ b/trunk/modelisator/Gestion de projet/2015_06_30 [Modelisator] Step Finale LP74/2015_07_01  [Modelisator] Presentation_Final.pptx
@@ -7107,12 +7107,16 @@
           <a:lstStyle/>
           <a:p>
             <a:r>
-              <a:rPr lang="fr-FR" dirty="0" err="1" smtClean="0"/>
-              <a:t>Powored</a:t>
+              <a:rPr lang="fr-FR" smtClean="0"/>
+              <a:t>PowEred</a:t>
             </a:r>
             <a:r>
               <a:rPr lang="fr-FR" dirty="0" smtClean="0"/>
-              <a:t> by Spirit Master</a:t>
+              <a:t> </a:t>
+            </a:r>
+            <a:r>
+              <a:rPr lang="fr-FR" dirty="0" smtClean="0"/>
+              <a:t>by Spirit Master</a:t>
             </a:r>
             <a:r>
               <a:rPr lang="fr-FR" dirty="0"/>

--- a/trunk/modelisator/Gestion de projet/2015_06_30 [Modelisator] Step Finale LP74/2015_07_01  [Modelisator] Presentation_Final.pptx
+++ b/trunk/modelisator/Gestion de projet/2015_06_30 [Modelisator] Step Finale LP74/2015_07_01  [Modelisator] Presentation_Final.pptx
@@ -1923,57 +1923,6 @@
               <a:buChar char="-"/>
             </a:pPr>
             <a:r>
-              <a:rPr lang="fr-FR" sz="1200" kern="1200" dirty="0" err="1" smtClean="0">
-                <a:solidFill>
-                  <a:schemeClr val="tx1"/>
-                </a:solidFill>
-                <a:effectLst/>
-                <a:latin typeface="+mn-lt"/>
-                <a:ea typeface="+mn-ea"/>
-                <a:cs typeface="+mn-cs"/>
-              </a:rPr>
-              <a:t>Tortoise</a:t>
-            </a:r>
-            <a:r>
-              <a:rPr lang="fr-FR" sz="1200" kern="1200" dirty="0" smtClean="0">
-                <a:solidFill>
-                  <a:schemeClr val="tx1"/>
-                </a:solidFill>
-                <a:effectLst/>
-                <a:latin typeface="+mn-lt"/>
-                <a:ea typeface="+mn-ea"/>
-                <a:cs typeface="+mn-cs"/>
-              </a:rPr>
-              <a:t> SVN, logiciel de </a:t>
-            </a:r>
-            <a:r>
-              <a:rPr lang="fr-FR" sz="1200" kern="1200" dirty="0" err="1" smtClean="0">
-                <a:solidFill>
-                  <a:schemeClr val="tx1"/>
-                </a:solidFill>
-                <a:effectLst/>
-                <a:latin typeface="+mn-lt"/>
-                <a:ea typeface="+mn-ea"/>
-                <a:cs typeface="+mn-cs"/>
-              </a:rPr>
-              <a:t>versioning</a:t>
-            </a:r>
-            <a:endParaRPr lang="fr-FR" sz="1200" kern="1200" dirty="0" smtClean="0">
-              <a:solidFill>
-                <a:schemeClr val="tx1"/>
-              </a:solidFill>
-              <a:effectLst/>
-              <a:latin typeface="+mn-lt"/>
-              <a:ea typeface="+mn-ea"/>
-              <a:cs typeface="+mn-cs"/>
-            </a:endParaRPr>
-          </a:p>
-          <a:p>
-            <a:pPr marL="171450" lvl="0" indent="-171450">
-              <a:buFontTx/>
-              <a:buChar char="-"/>
-            </a:pPr>
-            <a:r>
               <a:rPr lang="fr-FR" sz="1200" kern="1200" dirty="0" smtClean="0">
                 <a:solidFill>
                   <a:schemeClr val="tx1"/>
@@ -2012,10 +1961,35 @@
             </a:r>
           </a:p>
           <a:p>
-            <a:pPr marL="171450" lvl="0" indent="-171450">
+            <a:pPr marL="171450" marR="0" lvl="0" indent="-171450" algn="l" defTabSz="914400" rtl="0" eaLnBrk="1" fontAlgn="auto" latinLnBrk="0" hangingPunct="1">
+              <a:lnSpc>
+                <a:spcPct val="100000"/>
+              </a:lnSpc>
+              <a:spcBef>
+                <a:spcPts val="0"/>
+              </a:spcBef>
+              <a:spcAft>
+                <a:spcPts val="0"/>
+              </a:spcAft>
+              <a:buClrTx/>
+              <a:buSzTx/>
               <a:buFontTx/>
               <a:buChar char="-"/>
+              <a:tabLst/>
+              <a:defRPr/>
             </a:pPr>
+            <a:r>
+              <a:rPr lang="fr-FR" sz="1200" kern="1200" dirty="0" err="1" smtClean="0">
+                <a:solidFill>
+                  <a:schemeClr val="tx1"/>
+                </a:solidFill>
+                <a:effectLst/>
+                <a:latin typeface="+mn-lt"/>
+                <a:ea typeface="+mn-ea"/>
+                <a:cs typeface="+mn-cs"/>
+              </a:rPr>
+              <a:t>Tortoise</a:t>
+            </a:r>
             <a:r>
               <a:rPr lang="fr-FR" sz="1200" kern="1200" dirty="0" smtClean="0">
                 <a:solidFill>
@@ -2026,7 +2000,58 @@
                 <a:ea typeface="+mn-ea"/>
                 <a:cs typeface="+mn-cs"/>
               </a:rPr>
-              <a:t>Cycle en V. Avantage </a:t>
+              <a:t> SVN, logiciel de </a:t>
+            </a:r>
+            <a:r>
+              <a:rPr lang="fr-FR" sz="1200" kern="1200" dirty="0" err="1" smtClean="0">
+                <a:solidFill>
+                  <a:schemeClr val="tx1"/>
+                </a:solidFill>
+                <a:effectLst/>
+                <a:latin typeface="+mn-lt"/>
+                <a:ea typeface="+mn-ea"/>
+                <a:cs typeface="+mn-cs"/>
+              </a:rPr>
+              <a:t>versioning</a:t>
+            </a:r>
+            <a:endParaRPr lang="fr-FR" sz="1200" kern="1200" smtClean="0">
+              <a:solidFill>
+                <a:schemeClr val="tx1"/>
+              </a:solidFill>
+              <a:effectLst/>
+              <a:latin typeface="+mn-lt"/>
+              <a:ea typeface="+mn-ea"/>
+              <a:cs typeface="+mn-cs"/>
+            </a:endParaRPr>
+          </a:p>
+          <a:p>
+            <a:pPr marL="171450" lvl="0" indent="-171450">
+              <a:buFontTx/>
+              <a:buChar char="-"/>
+            </a:pPr>
+            <a:r>
+              <a:rPr lang="fr-FR" sz="1200" kern="1200" smtClean="0">
+                <a:solidFill>
+                  <a:schemeClr val="tx1"/>
+                </a:solidFill>
+                <a:effectLst/>
+                <a:latin typeface="+mn-lt"/>
+                <a:ea typeface="+mn-ea"/>
+                <a:cs typeface="+mn-cs"/>
+              </a:rPr>
+              <a:t>Cycle </a:t>
+            </a:r>
+            <a:r>
+              <a:rPr lang="fr-FR" sz="1200" kern="1200" dirty="0" smtClean="0">
+                <a:solidFill>
+                  <a:schemeClr val="tx1"/>
+                </a:solidFill>
+                <a:effectLst/>
+                <a:latin typeface="+mn-lt"/>
+                <a:ea typeface="+mn-ea"/>
+                <a:cs typeface="+mn-cs"/>
+              </a:rPr>
+              <a:t>en V. Avantage </a:t>
             </a:r>
             <a:r>
               <a:rPr lang="fr-FR" sz="1200" kern="1200" dirty="0" smtClean="0">
@@ -7101,30 +7126,21 @@
             <p:ph type="subTitle" idx="1"/>
           </p:nvPr>
         </p:nvSpPr>
-        <p:spPr/>
-        <p:txBody>
-          <a:bodyPr/>
-          <a:lstStyle/>
-          <a:p>
-            <a:r>
-              <a:rPr lang="fr-FR" smtClean="0"/>
-              <a:t>PowEred</a:t>
-            </a:r>
+        <p:spPr>
+          <a:xfrm rot="19140000">
+            <a:off x="1139295" y="2275726"/>
+            <a:ext cx="7106196" cy="329259"/>
+          </a:xfrm>
+        </p:spPr>
+        <p:txBody>
+          <a:bodyPr>
+            <a:normAutofit fontScale="92500"/>
+          </a:bodyPr>
+          <a:lstStyle/>
+          <a:p>
             <a:r>
               <a:rPr lang="fr-FR" dirty="0" smtClean="0"/>
-              <a:t> </a:t>
-            </a:r>
-            <a:r>
-              <a:rPr lang="fr-FR" dirty="0" smtClean="0"/>
-              <a:t>by Spirit Master</a:t>
-            </a:r>
-            <a:r>
-              <a:rPr lang="fr-FR" dirty="0"/>
-              <a:t>©</a:t>
-            </a:r>
-            <a:r>
-              <a:rPr lang="fr-FR" dirty="0" smtClean="0"/>
-              <a:t> Team</a:t>
+              <a:t>C. ALLEMAND – Q. BONICHOT – O. LATRECHE – T. MERRIKA</a:t>
             </a:r>
             <a:endParaRPr lang="fr-FR" dirty="0"/>
           </a:p>
@@ -9540,11 +9556,7 @@
           <a:p>
             <a:r>
               <a:rPr lang="fr-FR" dirty="0" smtClean="0"/>
-              <a:t>V. </a:t>
-            </a:r>
-            <a:r>
-              <a:rPr lang="fr-FR" dirty="0" smtClean="0"/>
-              <a:t>Démonstration</a:t>
+              <a:t>V. Démonstration</a:t>
             </a:r>
             <a:endParaRPr lang="fr-FR" dirty="0"/>
           </a:p>
@@ -9784,7 +9796,6 @@
               <a:rPr lang="fr-FR" sz="2000" dirty="0" smtClean="0"/>
               <a:t>Développement</a:t>
             </a:r>
-            <a:endParaRPr lang="fr-FR" sz="2000" dirty="0" smtClean="0"/>
           </a:p>
           <a:p>
             <a:pPr marL="742950" lvl="2" indent="-514350" fontAlgn="base">
@@ -10014,7 +10025,15 @@
             </a:r>
             <a:r>
               <a:rPr lang="fr-FR" b="0" dirty="0"/>
-              <a:t>le 24/06/2015 réaliser une application/logiciel </a:t>
+              <a:t>le </a:t>
+            </a:r>
+            <a:r>
+              <a:rPr lang="fr-FR" b="0" dirty="0" smtClean="0"/>
+              <a:t>01/07/2015 </a:t>
+            </a:r>
+            <a:r>
+              <a:rPr lang="fr-FR" b="0" dirty="0"/>
+              <a:t>réaliser une application/logiciel </a:t>
             </a:r>
             <a:r>
               <a:rPr lang="fr-FR" b="0" dirty="0" smtClean="0"/>
@@ -11081,7 +11100,7 @@
             </a:r>
             <a:r>
               <a:rPr lang="fr-FR" sz="2800" b="0" dirty="0" smtClean="0"/>
-              <a:t>Une formule mathématique : PV  = </a:t>
+              <a:t>Une formule mathématique : PV = </a:t>
             </a:r>
             <a:r>
               <a:rPr lang="fr-FR" sz="2800" b="0" dirty="0" err="1" smtClean="0"/>
@@ -12158,7 +12177,7 @@
             </a:r>
             <a:r>
               <a:rPr lang="fr-FR" dirty="0" err="1" smtClean="0"/>
-              <a:t>nRT</a:t>
+              <a:t>nR</a:t>
             </a:r>
             <a:endParaRPr lang="fr-FR" dirty="0" smtClean="0"/>
           </a:p>
